--- a/dokumentace/prezentace.pptx
+++ b/dokumentace/prezentace.pptx
@@ -5,20 +5,22 @@
     <p:sldMasterId id="2147483648" r:id="rId1"/>
   </p:sldMasterIdLst>
   <p:notesMasterIdLst>
-    <p:notesMasterId r:id="rId13"/>
+    <p:notesMasterId r:id="rId15"/>
   </p:notesMasterIdLst>
   <p:sldIdLst>
     <p:sldId id="256" r:id="rId2"/>
     <p:sldId id="257" r:id="rId3"/>
-    <p:sldId id="258" r:id="rId4"/>
-    <p:sldId id="259" r:id="rId5"/>
-    <p:sldId id="260" r:id="rId6"/>
-    <p:sldId id="261" r:id="rId7"/>
-    <p:sldId id="262" r:id="rId8"/>
-    <p:sldId id="263" r:id="rId9"/>
-    <p:sldId id="264" r:id="rId10"/>
+    <p:sldId id="264" r:id="rId4"/>
+    <p:sldId id="258" r:id="rId5"/>
+    <p:sldId id="259" r:id="rId6"/>
+    <p:sldId id="260" r:id="rId7"/>
+    <p:sldId id="261" r:id="rId8"/>
+    <p:sldId id="262" r:id="rId9"/>
+    <p:sldId id="263" r:id="rId10"/>
     <p:sldId id="265" r:id="rId11"/>
     <p:sldId id="266" r:id="rId12"/>
+    <p:sldId id="267" r:id="rId13"/>
+    <p:sldId id="268" r:id="rId14"/>
   </p:sldIdLst>
   <p:sldSz cx="9144000" cy="6858000" type="screen4x3"/>
   <p:notesSz cx="6858000" cy="9144000"/>
@@ -202,7 +204,8 @@
           <a:p>
             <a:fld id="{CFED0382-0F79-4D68-860E-9BB7BC1F871D}" type="datetimeFigureOut">
               <a:rPr lang="cs-CZ" smtClean="0"/>
-              <a:t>15.12.2016</a:t>
+              <a:pPr/>
+              <a:t>16.12.2016</a:t>
             </a:fld>
             <a:endParaRPr lang="cs-CZ"/>
           </a:p>
@@ -363,6 +366,7 @@
           <a:p>
             <a:fld id="{481424CD-A169-4EC8-B013-8CA2E61E8B37}" type="slidenum">
               <a:rPr lang="cs-CZ" smtClean="0"/>
+              <a:pPr/>
               <a:t>‹#›</a:t>
             </a:fld>
             <a:endParaRPr lang="cs-CZ"/>
@@ -538,6 +542,7 @@
           <a:p>
             <a:fld id="{481424CD-A169-4EC8-B013-8CA2E61E8B37}" type="slidenum">
               <a:rPr lang="cs-CZ" smtClean="0"/>
+              <a:pPr/>
               <a:t>1</a:t>
             </a:fld>
             <a:endParaRPr lang="cs-CZ"/>
@@ -619,7 +624,8 @@
           <a:p>
             <a:fld id="{481424CD-A169-4EC8-B013-8CA2E61E8B37}" type="slidenum">
               <a:rPr lang="cs-CZ" smtClean="0"/>
-              <a:t>3</a:t>
+              <a:pPr/>
+              <a:t>4</a:t>
             </a:fld>
             <a:endParaRPr lang="cs-CZ"/>
           </a:p>
@@ -814,7 +820,8 @@
           <a:p>
             <a:fld id="{8E7701BE-96C6-4358-B2C3-F026CEADA762}" type="datetimeFigureOut">
               <a:rPr lang="cs-CZ" smtClean="0"/>
-              <a:t>15.12.2016</a:t>
+              <a:pPr/>
+              <a:t>16.12.2016</a:t>
             </a:fld>
             <a:endParaRPr lang="cs-CZ"/>
           </a:p>
@@ -856,6 +863,7 @@
           <a:p>
             <a:fld id="{B66C17AB-6D67-44C8-AE82-6F97CF08B0D2}" type="slidenum">
               <a:rPr lang="cs-CZ" smtClean="0"/>
+              <a:pPr/>
               <a:t>‹#›</a:t>
             </a:fld>
             <a:endParaRPr lang="cs-CZ"/>
@@ -979,7 +987,8 @@
           <a:p>
             <a:fld id="{8E7701BE-96C6-4358-B2C3-F026CEADA762}" type="datetimeFigureOut">
               <a:rPr lang="cs-CZ" smtClean="0"/>
-              <a:t>15.12.2016</a:t>
+              <a:pPr/>
+              <a:t>16.12.2016</a:t>
             </a:fld>
             <a:endParaRPr lang="cs-CZ"/>
           </a:p>
@@ -1021,6 +1030,7 @@
           <a:p>
             <a:fld id="{B66C17AB-6D67-44C8-AE82-6F97CF08B0D2}" type="slidenum">
               <a:rPr lang="cs-CZ" smtClean="0"/>
+              <a:pPr/>
               <a:t>‹#›</a:t>
             </a:fld>
             <a:endParaRPr lang="cs-CZ"/>
@@ -1154,7 +1164,8 @@
           <a:p>
             <a:fld id="{8E7701BE-96C6-4358-B2C3-F026CEADA762}" type="datetimeFigureOut">
               <a:rPr lang="cs-CZ" smtClean="0"/>
-              <a:t>15.12.2016</a:t>
+              <a:pPr/>
+              <a:t>16.12.2016</a:t>
             </a:fld>
             <a:endParaRPr lang="cs-CZ"/>
           </a:p>
@@ -1196,6 +1207,7 @@
           <a:p>
             <a:fld id="{B66C17AB-6D67-44C8-AE82-6F97CF08B0D2}" type="slidenum">
               <a:rPr lang="cs-CZ" smtClean="0"/>
+              <a:pPr/>
               <a:t>‹#›</a:t>
             </a:fld>
             <a:endParaRPr lang="cs-CZ"/>
@@ -1319,7 +1331,8 @@
           <a:p>
             <a:fld id="{8E7701BE-96C6-4358-B2C3-F026CEADA762}" type="datetimeFigureOut">
               <a:rPr lang="cs-CZ" smtClean="0"/>
-              <a:t>15.12.2016</a:t>
+              <a:pPr/>
+              <a:t>16.12.2016</a:t>
             </a:fld>
             <a:endParaRPr lang="cs-CZ"/>
           </a:p>
@@ -1361,6 +1374,7 @@
           <a:p>
             <a:fld id="{B66C17AB-6D67-44C8-AE82-6F97CF08B0D2}" type="slidenum">
               <a:rPr lang="cs-CZ" smtClean="0"/>
+              <a:pPr/>
               <a:t>‹#›</a:t>
             </a:fld>
             <a:endParaRPr lang="cs-CZ"/>
@@ -1560,7 +1574,8 @@
           <a:p>
             <a:fld id="{8E7701BE-96C6-4358-B2C3-F026CEADA762}" type="datetimeFigureOut">
               <a:rPr lang="cs-CZ" smtClean="0"/>
-              <a:t>15.12.2016</a:t>
+              <a:pPr/>
+              <a:t>16.12.2016</a:t>
             </a:fld>
             <a:endParaRPr lang="cs-CZ"/>
           </a:p>
@@ -1602,6 +1617,7 @@
           <a:p>
             <a:fld id="{B66C17AB-6D67-44C8-AE82-6F97CF08B0D2}" type="slidenum">
               <a:rPr lang="cs-CZ" smtClean="0"/>
+              <a:pPr/>
               <a:t>‹#›</a:t>
             </a:fld>
             <a:endParaRPr lang="cs-CZ"/>
@@ -1843,7 +1859,8 @@
           <a:p>
             <a:fld id="{8E7701BE-96C6-4358-B2C3-F026CEADA762}" type="datetimeFigureOut">
               <a:rPr lang="cs-CZ" smtClean="0"/>
-              <a:t>15.12.2016</a:t>
+              <a:pPr/>
+              <a:t>16.12.2016</a:t>
             </a:fld>
             <a:endParaRPr lang="cs-CZ"/>
           </a:p>
@@ -1885,6 +1902,7 @@
           <a:p>
             <a:fld id="{B66C17AB-6D67-44C8-AE82-6F97CF08B0D2}" type="slidenum">
               <a:rPr lang="cs-CZ" smtClean="0"/>
+              <a:pPr/>
               <a:t>‹#›</a:t>
             </a:fld>
             <a:endParaRPr lang="cs-CZ"/>
@@ -2260,7 +2278,8 @@
           <a:p>
             <a:fld id="{8E7701BE-96C6-4358-B2C3-F026CEADA762}" type="datetimeFigureOut">
               <a:rPr lang="cs-CZ" smtClean="0"/>
-              <a:t>15.12.2016</a:t>
+              <a:pPr/>
+              <a:t>16.12.2016</a:t>
             </a:fld>
             <a:endParaRPr lang="cs-CZ"/>
           </a:p>
@@ -2302,6 +2321,7 @@
           <a:p>
             <a:fld id="{B66C17AB-6D67-44C8-AE82-6F97CF08B0D2}" type="slidenum">
               <a:rPr lang="cs-CZ" smtClean="0"/>
+              <a:pPr/>
               <a:t>‹#›</a:t>
             </a:fld>
             <a:endParaRPr lang="cs-CZ"/>
@@ -2373,7 +2393,8 @@
           <a:p>
             <a:fld id="{8E7701BE-96C6-4358-B2C3-F026CEADA762}" type="datetimeFigureOut">
               <a:rPr lang="cs-CZ" smtClean="0"/>
-              <a:t>15.12.2016</a:t>
+              <a:pPr/>
+              <a:t>16.12.2016</a:t>
             </a:fld>
             <a:endParaRPr lang="cs-CZ"/>
           </a:p>
@@ -2415,6 +2436,7 @@
           <a:p>
             <a:fld id="{B66C17AB-6D67-44C8-AE82-6F97CF08B0D2}" type="slidenum">
               <a:rPr lang="cs-CZ" smtClean="0"/>
+              <a:pPr/>
               <a:t>‹#›</a:t>
             </a:fld>
             <a:endParaRPr lang="cs-CZ"/>
@@ -2463,7 +2485,8 @@
           <a:p>
             <a:fld id="{8E7701BE-96C6-4358-B2C3-F026CEADA762}" type="datetimeFigureOut">
               <a:rPr lang="cs-CZ" smtClean="0"/>
-              <a:t>15.12.2016</a:t>
+              <a:pPr/>
+              <a:t>16.12.2016</a:t>
             </a:fld>
             <a:endParaRPr lang="cs-CZ"/>
           </a:p>
@@ -2505,6 +2528,7 @@
           <a:p>
             <a:fld id="{B66C17AB-6D67-44C8-AE82-6F97CF08B0D2}" type="slidenum">
               <a:rPr lang="cs-CZ" smtClean="0"/>
+              <a:pPr/>
               <a:t>‹#›</a:t>
             </a:fld>
             <a:endParaRPr lang="cs-CZ"/>
@@ -2735,7 +2759,8 @@
           <a:p>
             <a:fld id="{8E7701BE-96C6-4358-B2C3-F026CEADA762}" type="datetimeFigureOut">
               <a:rPr lang="cs-CZ" smtClean="0"/>
-              <a:t>15.12.2016</a:t>
+              <a:pPr/>
+              <a:t>16.12.2016</a:t>
             </a:fld>
             <a:endParaRPr lang="cs-CZ"/>
           </a:p>
@@ -2777,6 +2802,7 @@
           <a:p>
             <a:fld id="{B66C17AB-6D67-44C8-AE82-6F97CF08B0D2}" type="slidenum">
               <a:rPr lang="cs-CZ" smtClean="0"/>
+              <a:pPr/>
               <a:t>‹#›</a:t>
             </a:fld>
             <a:endParaRPr lang="cs-CZ"/>
@@ -2983,7 +3009,8 @@
           <a:p>
             <a:fld id="{8E7701BE-96C6-4358-B2C3-F026CEADA762}" type="datetimeFigureOut">
               <a:rPr lang="cs-CZ" smtClean="0"/>
-              <a:t>15.12.2016</a:t>
+              <a:pPr/>
+              <a:t>16.12.2016</a:t>
             </a:fld>
             <a:endParaRPr lang="cs-CZ"/>
           </a:p>
@@ -3025,6 +3052,7 @@
           <a:p>
             <a:fld id="{B66C17AB-6D67-44C8-AE82-6F97CF08B0D2}" type="slidenum">
               <a:rPr lang="cs-CZ" smtClean="0"/>
+              <a:pPr/>
               <a:t>‹#›</a:t>
             </a:fld>
             <a:endParaRPr lang="cs-CZ"/>
@@ -3191,7 +3219,8 @@
           <a:p>
             <a:fld id="{8E7701BE-96C6-4358-B2C3-F026CEADA762}" type="datetimeFigureOut">
               <a:rPr lang="cs-CZ" smtClean="0"/>
-              <a:t>15.12.2016</a:t>
+              <a:pPr/>
+              <a:t>16.12.2016</a:t>
             </a:fld>
             <a:endParaRPr lang="cs-CZ"/>
           </a:p>
@@ -3269,6 +3298,7 @@
           <a:p>
             <a:fld id="{B66C17AB-6D67-44C8-AE82-6F97CF08B0D2}" type="slidenum">
               <a:rPr lang="cs-CZ" smtClean="0"/>
+              <a:pPr/>
               <a:t>‹#›</a:t>
             </a:fld>
             <a:endParaRPr lang="cs-CZ"/>
@@ -3937,6 +3967,249 @@
 </p:sld>
 </file>
 
+<file path=ppt/slides/slide12.xml><?xml version="1.0" encoding="utf-8"?>
+<p:sld xmlns:a="http://schemas.openxmlformats.org/drawingml/2006/main" xmlns:r="http://schemas.openxmlformats.org/officeDocument/2006/relationships" xmlns:p="http://schemas.openxmlformats.org/presentationml/2006/main">
+  <p:cSld>
+    <p:spTree>
+      <p:nvGrpSpPr>
+        <p:cNvPr id="1" name=""/>
+        <p:cNvGrpSpPr/>
+        <p:nvPr/>
+      </p:nvGrpSpPr>
+      <p:grpSpPr>
+        <a:xfrm>
+          <a:off x="0" y="0"/>
+          <a:ext cx="0" cy="0"/>
+          <a:chOff x="0" y="0"/>
+          <a:chExt cx="0" cy="0"/>
+        </a:xfrm>
+      </p:grpSpPr>
+      <p:sp>
+        <p:nvSpPr>
+          <p:cNvPr id="2" name="Nadpis 1"/>
+          <p:cNvSpPr>
+            <a:spLocks noGrp="1"/>
+          </p:cNvSpPr>
+          <p:nvPr>
+            <p:ph type="title"/>
+          </p:nvPr>
+        </p:nvSpPr>
+        <p:spPr/>
+        <p:txBody>
+          <a:bodyPr>
+            <a:normAutofit/>
+          </a:bodyPr>
+          <a:lstStyle/>
+          <a:p>
+            <a:r>
+              <a:rPr lang="cs-CZ" dirty="0" err="1" smtClean="0"/>
+              <a:t>Boyer</a:t>
+            </a:r>
+            <a:r>
+              <a:rPr lang="cs-CZ" dirty="0" smtClean="0"/>
+              <a:t>-</a:t>
+            </a:r>
+            <a:r>
+              <a:rPr lang="cs-CZ" dirty="0" err="1" smtClean="0"/>
+              <a:t>Mooreův</a:t>
+            </a:r>
+            <a:r>
+              <a:rPr lang="cs-CZ" dirty="0" smtClean="0"/>
+              <a:t> </a:t>
+            </a:r>
+            <a:r>
+              <a:rPr lang="cs-CZ" dirty="0" smtClean="0"/>
+              <a:t>algoritmus</a:t>
+            </a:r>
+            <a:endParaRPr lang="cs-CZ" dirty="0"/>
+          </a:p>
+        </p:txBody>
+      </p:sp>
+      <p:sp>
+        <p:nvSpPr>
+          <p:cNvPr id="3" name="Zástupný symbol pro obsah 2"/>
+          <p:cNvSpPr>
+            <a:spLocks noGrp="1"/>
+          </p:cNvSpPr>
+          <p:nvPr>
+            <p:ph idx="1"/>
+          </p:nvPr>
+        </p:nvSpPr>
+        <p:spPr>
+          <a:xfrm>
+            <a:off x="457200" y="1600201"/>
+            <a:ext cx="8229600" cy="1185858"/>
+          </a:xfrm>
+        </p:spPr>
+        <p:txBody>
+          <a:bodyPr/>
+          <a:lstStyle/>
+          <a:p>
+            <a:pPr marL="342900" lvl="1" indent="-342900">
+              <a:buFont typeface="Arial" pitchFamily="34" charset="0"/>
+              <a:buChar char="•"/>
+            </a:pPr>
+            <a:r>
+              <a:rPr lang="cs-CZ" dirty="0" smtClean="0"/>
+              <a:t>složitost </a:t>
+            </a:r>
+            <a:r>
+              <a:rPr lang="pt-BR" dirty="0" smtClean="0"/>
+              <a:t>O(n+m)</a:t>
+            </a:r>
+            <a:endParaRPr lang="cs-CZ" dirty="0" smtClean="0"/>
+          </a:p>
+          <a:p>
+            <a:r>
+              <a:rPr lang="cs-CZ" i="1" dirty="0" err="1" smtClean="0"/>
+              <a:t>bad</a:t>
+            </a:r>
+            <a:r>
+              <a:rPr lang="cs-CZ" i="1" dirty="0" smtClean="0"/>
+              <a:t>-</a:t>
+            </a:r>
+            <a:r>
+              <a:rPr lang="cs-CZ" i="1" dirty="0" err="1" smtClean="0"/>
+              <a:t>character</a:t>
+            </a:r>
+            <a:r>
+              <a:rPr lang="cs-CZ" dirty="0" smtClean="0"/>
+              <a:t> </a:t>
+            </a:r>
+            <a:r>
+              <a:rPr lang="cs-CZ" dirty="0" smtClean="0"/>
+              <a:t>heuristika</a:t>
+            </a:r>
+          </a:p>
+          <a:p>
+            <a:endParaRPr lang="cs-CZ" dirty="0"/>
+          </a:p>
+        </p:txBody>
+      </p:sp>
+      <p:graphicFrame>
+        <p:nvGraphicFramePr>
+          <p:cNvPr id="5" name="Objekt 4"/>
+          <p:cNvGraphicFramePr>
+            <a:graphicFrameLocks noChangeAspect="1"/>
+          </p:cNvGraphicFramePr>
+          <p:nvPr/>
+        </p:nvGraphicFramePr>
+        <p:xfrm>
+          <a:off x="434975" y="3073400"/>
+          <a:ext cx="8394700" cy="2247900"/>
+        </p:xfrm>
+        <a:graphic>
+          <a:graphicData uri="http://schemas.openxmlformats.org/presentationml/2006/ole">
+            <p:oleObj spid="_x0000_s1026" name="List" r:id="rId3" imgW="7210391" imgH="1933534" progId="Excel.Sheet.12">
+              <p:embed/>
+            </p:oleObj>
+          </a:graphicData>
+        </a:graphic>
+      </p:graphicFrame>
+    </p:spTree>
+  </p:cSld>
+  <p:clrMapOvr>
+    <a:masterClrMapping/>
+  </p:clrMapOvr>
+</p:sld>
+</file>
+
+<file path=ppt/slides/slide13.xml><?xml version="1.0" encoding="utf-8"?>
+<p:sld xmlns:a="http://schemas.openxmlformats.org/drawingml/2006/main" xmlns:r="http://schemas.openxmlformats.org/officeDocument/2006/relationships" xmlns:p="http://schemas.openxmlformats.org/presentationml/2006/main">
+  <p:cSld>
+    <p:spTree>
+      <p:nvGrpSpPr>
+        <p:cNvPr id="1" name=""/>
+        <p:cNvGrpSpPr/>
+        <p:nvPr/>
+      </p:nvGrpSpPr>
+      <p:grpSpPr>
+        <a:xfrm>
+          <a:off x="0" y="0"/>
+          <a:ext cx="0" cy="0"/>
+          <a:chOff x="0" y="0"/>
+          <a:chExt cx="0" cy="0"/>
+        </a:xfrm>
+      </p:grpSpPr>
+      <p:sp>
+        <p:nvSpPr>
+          <p:cNvPr id="2" name="Nadpis 1"/>
+          <p:cNvSpPr>
+            <a:spLocks noGrp="1"/>
+          </p:cNvSpPr>
+          <p:nvPr>
+            <p:ph type="title"/>
+          </p:nvPr>
+        </p:nvSpPr>
+        <p:spPr/>
+        <p:txBody>
+          <a:bodyPr>
+            <a:normAutofit/>
+          </a:bodyPr>
+          <a:lstStyle/>
+          <a:p>
+            <a:r>
+              <a:rPr lang="cs-CZ" dirty="0" err="1" smtClean="0"/>
+              <a:t>Shell</a:t>
+            </a:r>
+            <a:r>
+              <a:rPr lang="cs-CZ" dirty="0" smtClean="0"/>
+              <a:t> </a:t>
+            </a:r>
+            <a:r>
+              <a:rPr lang="cs-CZ" dirty="0" smtClean="0"/>
+              <a:t>sort</a:t>
+            </a:r>
+            <a:endParaRPr lang="cs-CZ" dirty="0"/>
+          </a:p>
+        </p:txBody>
+      </p:sp>
+      <p:sp>
+        <p:nvSpPr>
+          <p:cNvPr id="3" name="Zástupný symbol pro obsah 2"/>
+          <p:cNvSpPr>
+            <a:spLocks noGrp="1"/>
+          </p:cNvSpPr>
+          <p:nvPr>
+            <p:ph idx="1"/>
+          </p:nvPr>
+        </p:nvSpPr>
+        <p:spPr/>
+        <p:txBody>
+          <a:bodyPr/>
+          <a:lstStyle/>
+          <a:p>
+            <a:pPr marL="342900" lvl="1" indent="-342900">
+              <a:buFont typeface="Arial" pitchFamily="34" charset="0"/>
+              <a:buChar char="•"/>
+            </a:pPr>
+            <a:r>
+              <a:rPr lang="cs-CZ" sz="3200" dirty="0" smtClean="0"/>
+              <a:t>složitost </a:t>
+            </a:r>
+            <a:r>
+              <a:rPr lang="pt-BR" sz="3200" dirty="0" smtClean="0"/>
+              <a:t>O(n²)</a:t>
+            </a:r>
+            <a:endParaRPr lang="cs-CZ" sz="3200" dirty="0" smtClean="0"/>
+          </a:p>
+          <a:p>
+            <a:r>
+              <a:rPr lang="cs-CZ" dirty="0" smtClean="0"/>
+              <a:t>TODO</a:t>
+            </a:r>
+            <a:endParaRPr lang="cs-CZ" dirty="0"/>
+          </a:p>
+        </p:txBody>
+      </p:sp>
+    </p:spTree>
+  </p:cSld>
+  <p:clrMapOvr>
+    <a:masterClrMapping/>
+  </p:clrMapOvr>
+</p:sld>
+</file>
+
 <file path=ppt/slides/slide2.xml><?xml version="1.0" encoding="utf-8"?>
 <p:sld xmlns:a="http://schemas.openxmlformats.org/drawingml/2006/main" xmlns:r="http://schemas.openxmlformats.org/officeDocument/2006/relationships" xmlns:p="http://schemas.openxmlformats.org/presentationml/2006/main">
   <p:cSld>
@@ -3998,6 +4271,50 @@
             </a:r>
           </a:p>
           <a:p>
+            <a:pPr lvl="1"/>
+            <a:r>
+              <a:rPr lang="cs-CZ" dirty="0" err="1" smtClean="0"/>
+              <a:t>integerů</a:t>
+            </a:r>
+            <a:r>
+              <a:rPr lang="cs-CZ" dirty="0" smtClean="0"/>
+              <a:t> (</a:t>
+            </a:r>
+            <a:r>
+              <a:rPr lang="cs-CZ" dirty="0" smtClean="0"/>
+              <a:t>stavy), tabulek s </a:t>
+            </a:r>
+            <a:r>
+              <a:rPr lang="cs-CZ" dirty="0" err="1" smtClean="0"/>
+              <a:t>roz</a:t>
+            </a:r>
+            <a:r>
+              <a:rPr lang="cs-CZ" dirty="0" smtClean="0"/>
+              <a:t>. </a:t>
+            </a:r>
+            <a:r>
+              <a:rPr lang="cs-CZ" dirty="0" err="1" smtClean="0"/>
+              <a:t>pol</a:t>
+            </a:r>
+            <a:r>
+              <a:rPr lang="cs-CZ" dirty="0" smtClean="0"/>
+              <a:t>. (rozšířený)</a:t>
+            </a:r>
+            <a:endParaRPr lang="cs-CZ" dirty="0" smtClean="0"/>
+          </a:p>
+          <a:p>
+            <a:pPr lvl="1"/>
+            <a:r>
+              <a:rPr lang="cs-CZ" dirty="0" err="1" smtClean="0"/>
+              <a:t>tokenů</a:t>
+            </a:r>
+            <a:r>
+              <a:rPr lang="cs-CZ" dirty="0" smtClean="0"/>
+              <a:t>, instrukcí</a:t>
+            </a:r>
+            <a:endParaRPr lang="cs-CZ" dirty="0" smtClean="0"/>
+          </a:p>
+          <a:p>
             <a:r>
               <a:rPr lang="cs-CZ" dirty="0" smtClean="0"/>
               <a:t>tabulka </a:t>
@@ -4025,11 +4342,22 @@
             </a:r>
             <a:r>
               <a:rPr lang="cs-CZ" dirty="0"/>
-              <a:t>s proměnou </a:t>
+              <a:t>s </a:t>
             </a:r>
             <a:r>
               <a:rPr lang="cs-CZ" dirty="0" smtClean="0"/>
-              <a:t>velikostí</a:t>
+              <a:t>proměnnou velikostí</a:t>
+            </a:r>
+          </a:p>
+          <a:p>
+            <a:pPr lvl="1"/>
+            <a:r>
+              <a:rPr lang="cs-CZ" dirty="0" smtClean="0"/>
+              <a:t>řetězců (názvy tříd</a:t>
+            </a:r>
+            <a:r>
+              <a:rPr lang="cs-CZ" dirty="0" smtClean="0"/>
+              <a:t>)</a:t>
             </a:r>
           </a:p>
         </p:txBody>
@@ -4076,7 +4404,7 @@
           <a:p>
             <a:r>
               <a:rPr lang="cs-CZ" b="1" dirty="0" smtClean="0"/>
-              <a:t>Tabulka symbolů</a:t>
+              <a:t>Algoritmy</a:t>
             </a:r>
             <a:endParaRPr lang="cs-CZ" b="1" dirty="0"/>
           </a:p>
@@ -4092,231 +4420,102 @@
             <p:ph idx="1"/>
           </p:nvPr>
         </p:nvSpPr>
-        <p:spPr>
-          <a:xfrm>
-            <a:off x="457200" y="1600201"/>
-            <a:ext cx="8229600" cy="1257296"/>
-          </a:xfrm>
-        </p:spPr>
+        <p:spPr/>
         <p:txBody>
           <a:bodyPr/>
           <a:lstStyle/>
           <a:p>
             <a:r>
+              <a:rPr lang="cs-CZ" dirty="0" err="1"/>
+              <a:t>Boyer</a:t>
+            </a:r>
+            <a:r>
+              <a:rPr lang="cs-CZ" dirty="0"/>
+              <a:t>-</a:t>
+            </a:r>
+            <a:r>
+              <a:rPr lang="cs-CZ" dirty="0" err="1"/>
+              <a:t>Mooreův</a:t>
+            </a:r>
+            <a:r>
+              <a:rPr lang="cs-CZ" dirty="0"/>
+              <a:t> </a:t>
+            </a:r>
+            <a:r>
               <a:rPr lang="cs-CZ" dirty="0" smtClean="0"/>
-              <a:t>tabulka s rozptýlenými položkami</a:t>
-            </a:r>
-          </a:p>
-          <a:p>
+              <a:t>algoritmus</a:t>
+            </a:r>
+          </a:p>
+          <a:p>
+            <a:pPr lvl="1"/>
             <a:r>
               <a:rPr lang="cs-CZ" dirty="0" smtClean="0"/>
-              <a:t>položka:</a:t>
-            </a:r>
-          </a:p>
-        </p:txBody>
-      </p:sp>
-      <p:sp>
-        <p:nvSpPr>
-          <p:cNvPr id="4" name="TextovéPole 3"/>
-          <p:cNvSpPr txBox="1"/>
-          <p:nvPr/>
-        </p:nvSpPr>
-        <p:spPr>
-          <a:xfrm>
-            <a:off x="1857356" y="2736503"/>
-            <a:ext cx="4143404" cy="1384995"/>
-          </a:xfrm>
-          <a:prstGeom prst="rect">
-            <a:avLst/>
-          </a:prstGeom>
-          <a:noFill/>
-        </p:spPr>
-        <p:txBody>
-          <a:bodyPr wrap="square" rtlCol="0">
-            <a:spAutoFit/>
-          </a:bodyPr>
-          <a:lstStyle/>
+              <a:t>složitost </a:t>
+            </a:r>
+            <a:r>
+              <a:rPr lang="pt-BR" dirty="0" smtClean="0"/>
+              <a:t>O(n+m)</a:t>
+            </a:r>
+            <a:endParaRPr lang="cs-CZ" dirty="0"/>
+          </a:p>
+          <a:p>
+            <a:r>
+              <a:rPr lang="cs-CZ" dirty="0" err="1"/>
+              <a:t>Shell</a:t>
+            </a:r>
+            <a:r>
+              <a:rPr lang="cs-CZ" dirty="0"/>
+              <a:t> </a:t>
+            </a:r>
+            <a:r>
+              <a:rPr lang="cs-CZ" dirty="0" smtClean="0"/>
+              <a:t>sort</a:t>
+            </a:r>
+          </a:p>
           <a:p>
             <a:pPr lvl="1"/>
             <a:r>
-              <a:rPr lang="cs-CZ" sz="2800" dirty="0" smtClean="0"/>
-              <a:t>klíč</a:t>
+              <a:rPr lang="cs-CZ" dirty="0" smtClean="0"/>
+              <a:t>složitost </a:t>
+            </a:r>
+            <a:r>
+              <a:rPr lang="pt-BR" dirty="0" smtClean="0"/>
+              <a:t>O(n²)</a:t>
+            </a:r>
+            <a:endParaRPr lang="cs-CZ" dirty="0"/>
+          </a:p>
+          <a:p>
+            <a:r>
+              <a:rPr lang="cs-CZ" dirty="0"/>
+              <a:t>Tabulka s rozptýlenými </a:t>
+            </a:r>
+            <a:r>
+              <a:rPr lang="cs-CZ" dirty="0" smtClean="0"/>
+              <a:t>položkami</a:t>
             </a:r>
           </a:p>
           <a:p>
             <a:pPr lvl="1"/>
             <a:r>
-              <a:rPr lang="cs-CZ" sz="2800" dirty="0" smtClean="0"/>
-              <a:t>datový typ</a:t>
-            </a:r>
-          </a:p>
-          <a:p>
-            <a:pPr lvl="1"/>
-            <a:r>
-              <a:rPr lang="cs-CZ" sz="2800" dirty="0" smtClean="0"/>
-              <a:t>funkce nebo proměnná</a:t>
-            </a:r>
-          </a:p>
-        </p:txBody>
-      </p:sp>
-      <p:sp>
-        <p:nvSpPr>
-          <p:cNvPr id="6" name="TextovéPole 5"/>
-          <p:cNvSpPr txBox="1"/>
-          <p:nvPr/>
-        </p:nvSpPr>
-        <p:spPr>
-          <a:xfrm>
-            <a:off x="3714744" y="4786322"/>
-            <a:ext cx="5000660" cy="1384995"/>
-          </a:xfrm>
-          <a:prstGeom prst="rect">
-            <a:avLst/>
-          </a:prstGeom>
-          <a:noFill/>
-        </p:spPr>
-        <p:txBody>
-          <a:bodyPr wrap="square" rtlCol="0">
-            <a:spAutoFit/>
-          </a:bodyPr>
-          <a:lstStyle/>
-          <a:p>
-            <a:r>
-              <a:rPr lang="cs-CZ" sz="2800" dirty="0" smtClean="0"/>
-              <a:t>ukazatel na data</a:t>
-            </a:r>
-          </a:p>
-          <a:p>
-            <a:r>
-              <a:rPr lang="cs-CZ" sz="2800" dirty="0" err="1" smtClean="0"/>
-              <a:t>inicializovanost</a:t>
-            </a:r>
-            <a:endParaRPr lang="cs-CZ" sz="2800" dirty="0" smtClean="0"/>
-          </a:p>
-          <a:p>
-            <a:r>
-              <a:rPr lang="cs-CZ" sz="2800" dirty="0" smtClean="0"/>
-              <a:t>pořadí v rámci argumentů funkce</a:t>
-            </a:r>
-          </a:p>
-        </p:txBody>
-      </p:sp>
-      <p:sp>
-        <p:nvSpPr>
-          <p:cNvPr id="7" name="TextovéPole 6"/>
-          <p:cNvSpPr txBox="1"/>
-          <p:nvPr/>
-        </p:nvSpPr>
-        <p:spPr>
-          <a:xfrm>
-            <a:off x="571472" y="4542076"/>
-            <a:ext cx="2928958" cy="1815882"/>
-          </a:xfrm>
-          <a:prstGeom prst="rect">
-            <a:avLst/>
-          </a:prstGeom>
-          <a:noFill/>
-        </p:spPr>
-        <p:txBody>
-          <a:bodyPr wrap="square" rtlCol="0">
-            <a:spAutoFit/>
-          </a:bodyPr>
-          <a:lstStyle/>
-          <a:p>
-            <a:r>
-              <a:rPr lang="cs-CZ" sz="2800" dirty="0" smtClean="0"/>
-              <a:t>ukazatel na data</a:t>
-            </a:r>
-          </a:p>
-          <a:p>
-            <a:r>
-              <a:rPr lang="cs-CZ" sz="2800" dirty="0" smtClean="0"/>
-              <a:t>počet argumentů</a:t>
-            </a:r>
-          </a:p>
-          <a:p>
-            <a:r>
-              <a:rPr lang="cs-CZ" sz="2800" dirty="0" smtClean="0"/>
-              <a:t>lokální tabulka</a:t>
-            </a:r>
-          </a:p>
-          <a:p>
-            <a:r>
-              <a:rPr lang="cs-CZ" sz="2800" dirty="0" smtClean="0"/>
-              <a:t>instrukční páska</a:t>
-            </a:r>
-            <a:endParaRPr lang="cs-CZ" sz="2800" dirty="0"/>
-          </a:p>
-        </p:txBody>
-      </p:sp>
-      <p:cxnSp>
-        <p:nvCxnSpPr>
-          <p:cNvPr id="9" name="Přímá spojovací šipka 8"/>
-          <p:cNvCxnSpPr/>
-          <p:nvPr/>
-        </p:nvCxnSpPr>
-        <p:spPr>
-          <a:xfrm rot="5400000">
-            <a:off x="4643438" y="4429132"/>
-            <a:ext cx="785818" cy="71438"/>
-          </a:xfrm>
-          <a:prstGeom prst="straightConnector1">
-            <a:avLst/>
-          </a:prstGeom>
-          <a:ln w="38100">
-            <a:tailEnd type="arrow"/>
-          </a:ln>
-        </p:spPr>
-        <p:style>
-          <a:lnRef idx="1">
-            <a:schemeClr val="accent1"/>
-          </a:lnRef>
-          <a:fillRef idx="0">
-            <a:schemeClr val="accent1"/>
-          </a:fillRef>
-          <a:effectRef idx="0">
-            <a:schemeClr val="accent1"/>
-          </a:effectRef>
-          <a:fontRef idx="minor">
-            <a:schemeClr val="tx1"/>
-          </a:fontRef>
-        </p:style>
-      </p:cxnSp>
-      <p:cxnSp>
-        <p:nvCxnSpPr>
-          <p:cNvPr id="12" name="Přímá spojovací šipka 11"/>
-          <p:cNvCxnSpPr>
-            <a:endCxn id="7" idx="0"/>
-          </p:cNvCxnSpPr>
-          <p:nvPr/>
-        </p:nvCxnSpPr>
-        <p:spPr>
-          <a:xfrm rot="10800000" flipV="1">
-            <a:off x="2035952" y="4071942"/>
-            <a:ext cx="892975" cy="470134"/>
-          </a:xfrm>
-          <a:prstGeom prst="straightConnector1">
-            <a:avLst/>
-          </a:prstGeom>
-          <a:ln w="38100">
-            <a:tailEnd type="arrow"/>
-          </a:ln>
-        </p:spPr>
-        <p:style>
-          <a:lnRef idx="1">
-            <a:schemeClr val="accent1"/>
-          </a:lnRef>
-          <a:fillRef idx="0">
-            <a:schemeClr val="accent1"/>
-          </a:fillRef>
-          <a:effectRef idx="0">
-            <a:schemeClr val="accent1"/>
-          </a:effectRef>
-          <a:fontRef idx="minor">
-            <a:schemeClr val="tx1"/>
-          </a:fontRef>
-        </p:style>
-      </p:cxnSp>
+              <a:rPr lang="cs-CZ" dirty="0" smtClean="0"/>
+              <a:t>složitost </a:t>
+            </a:r>
+            <a:r>
+              <a:rPr lang="pt-BR" dirty="0" smtClean="0"/>
+              <a:t>O(</a:t>
+            </a:r>
+            <a:r>
+              <a:rPr lang="cs-CZ" dirty="0" smtClean="0"/>
+              <a:t>1+</a:t>
+            </a:r>
+            <a:r>
+              <a:rPr lang="pt-BR" dirty="0" smtClean="0"/>
+              <a:t>n) </a:t>
+            </a:r>
+            <a:endParaRPr lang="cs-CZ" dirty="0"/>
+          </a:p>
+        </p:txBody>
+      </p:sp>
     </p:spTree>
   </p:cSld>
   <p:clrMapOvr>
@@ -4359,7 +4558,7 @@
           <a:p>
             <a:r>
               <a:rPr lang="cs-CZ" b="1" dirty="0" smtClean="0"/>
-              <a:t>Implementace</a:t>
+              <a:t>Tabulka symbolů</a:t>
             </a:r>
             <a:endParaRPr lang="cs-CZ" b="1" dirty="0"/>
           </a:p>
@@ -4367,193 +4566,220 @@
       </p:sp>
       <p:sp>
         <p:nvSpPr>
-          <p:cNvPr id="4" name="Zaoblený obdélník 3"/>
-          <p:cNvSpPr/>
+          <p:cNvPr id="3" name="Zástupný symbol pro obsah 2"/>
+          <p:cNvSpPr>
+            <a:spLocks noGrp="1"/>
+          </p:cNvSpPr>
+          <p:nvPr>
+            <p:ph idx="1"/>
+          </p:nvPr>
+        </p:nvSpPr>
+        <p:spPr>
+          <a:xfrm>
+            <a:off x="457200" y="1600200"/>
+            <a:ext cx="8229600" cy="1471610"/>
+          </a:xfrm>
+        </p:spPr>
+        <p:txBody>
+          <a:bodyPr>
+            <a:normAutofit fontScale="92500" lnSpcReduction="20000"/>
+          </a:bodyPr>
+          <a:lstStyle/>
+          <a:p>
+            <a:r>
+              <a:rPr lang="cs-CZ" sz="3800" dirty="0" smtClean="0"/>
+              <a:t>tabulka s rozptýlenými </a:t>
+            </a:r>
+            <a:r>
+              <a:rPr lang="cs-CZ" sz="3800" dirty="0" smtClean="0"/>
+              <a:t>položkami</a:t>
+            </a:r>
+          </a:p>
+          <a:p>
+            <a:pPr lvl="1"/>
+            <a:r>
+              <a:rPr lang="cs-CZ" dirty="0" smtClean="0"/>
+              <a:t>explicitně </a:t>
+            </a:r>
+            <a:r>
+              <a:rPr lang="cs-CZ" dirty="0" smtClean="0"/>
+              <a:t>zřetězený seznam </a:t>
+            </a:r>
+            <a:r>
+              <a:rPr lang="cs-CZ" dirty="0" smtClean="0"/>
+              <a:t>synonym</a:t>
+            </a:r>
+            <a:endParaRPr lang="cs-CZ" dirty="0" smtClean="0"/>
+          </a:p>
+          <a:p>
+            <a:r>
+              <a:rPr lang="cs-CZ" sz="3800" dirty="0" smtClean="0"/>
+              <a:t>položka:</a:t>
+            </a:r>
+          </a:p>
+        </p:txBody>
+      </p:sp>
+      <p:sp>
+        <p:nvSpPr>
+          <p:cNvPr id="4" name="TextovéPole 3"/>
+          <p:cNvSpPr txBox="1"/>
           <p:nvPr/>
         </p:nvSpPr>
         <p:spPr>
           <a:xfrm>
-            <a:off x="714348" y="2928934"/>
-            <a:ext cx="2214578" cy="1357322"/>
-          </a:xfrm>
-          <a:prstGeom prst="roundRect">
+            <a:off x="2071670" y="2786058"/>
+            <a:ext cx="4143404" cy="1384995"/>
+          </a:xfrm>
+          <a:prstGeom prst="rect">
             <a:avLst/>
           </a:prstGeom>
-        </p:spPr>
-        <p:style>
-          <a:lnRef idx="2">
-            <a:schemeClr val="accent5">
-              <a:shade val="50000"/>
-            </a:schemeClr>
-          </a:lnRef>
-          <a:fillRef idx="1">
-            <a:schemeClr val="accent5"/>
-          </a:fillRef>
-          <a:effectRef idx="0">
-            <a:schemeClr val="accent5"/>
-          </a:effectRef>
-          <a:fontRef idx="minor">
-            <a:schemeClr val="lt1"/>
-          </a:fontRef>
-        </p:style>
-        <p:txBody>
-          <a:bodyPr rtlCol="0" anchor="ctr"/>
-          <a:lstStyle/>
-          <a:p>
-            <a:pPr algn="ctr"/>
-            <a:r>
-              <a:rPr lang="cs-CZ" sz="3200" dirty="0" smtClean="0"/>
-              <a:t>Lexikální analyzátor</a:t>
-            </a:r>
-            <a:endParaRPr lang="cs-CZ" sz="3200" dirty="0"/>
-          </a:p>
-        </p:txBody>
-      </p:sp>
-      <p:sp>
-        <p:nvSpPr>
-          <p:cNvPr id="5" name="Zaoblený obdélník 4"/>
-          <p:cNvSpPr/>
+          <a:noFill/>
+        </p:spPr>
+        <p:txBody>
+          <a:bodyPr wrap="square" rtlCol="0">
+            <a:spAutoFit/>
+          </a:bodyPr>
+          <a:lstStyle/>
+          <a:p>
+            <a:pPr lvl="1"/>
+            <a:r>
+              <a:rPr lang="cs-CZ" sz="2800" dirty="0" smtClean="0"/>
+              <a:t>klíč</a:t>
+            </a:r>
+          </a:p>
+          <a:p>
+            <a:pPr lvl="1"/>
+            <a:r>
+              <a:rPr lang="cs-CZ" sz="2800" dirty="0" smtClean="0"/>
+              <a:t>datový typ</a:t>
+            </a:r>
+          </a:p>
+          <a:p>
+            <a:pPr lvl="1"/>
+            <a:r>
+              <a:rPr lang="cs-CZ" sz="2800" dirty="0" smtClean="0"/>
+              <a:t>funkce nebo proměnná</a:t>
+            </a:r>
+          </a:p>
+        </p:txBody>
+      </p:sp>
+      <p:sp>
+        <p:nvSpPr>
+          <p:cNvPr id="6" name="TextovéPole 5"/>
+          <p:cNvSpPr txBox="1"/>
           <p:nvPr/>
         </p:nvSpPr>
         <p:spPr>
           <a:xfrm>
-            <a:off x="3428992" y="1571612"/>
-            <a:ext cx="2214578" cy="1357322"/>
-          </a:xfrm>
-          <a:prstGeom prst="roundRect">
+            <a:off x="3714744" y="4786322"/>
+            <a:ext cx="5000660" cy="1384995"/>
+          </a:xfrm>
+          <a:prstGeom prst="rect">
             <a:avLst/>
           </a:prstGeom>
-        </p:spPr>
-        <p:style>
-          <a:lnRef idx="2">
-            <a:schemeClr val="accent5">
-              <a:shade val="50000"/>
-            </a:schemeClr>
-          </a:lnRef>
-          <a:fillRef idx="1">
-            <a:schemeClr val="accent5"/>
-          </a:fillRef>
-          <a:effectRef idx="0">
-            <a:schemeClr val="accent5"/>
-          </a:effectRef>
-          <a:fontRef idx="minor">
-            <a:schemeClr val="lt1"/>
-          </a:fontRef>
-        </p:style>
-        <p:txBody>
-          <a:bodyPr rtlCol="0" anchor="ctr"/>
-          <a:lstStyle/>
-          <a:p>
-            <a:pPr algn="ctr"/>
-            <a:r>
-              <a:rPr lang="cs-CZ" sz="3200" dirty="0" smtClean="0"/>
-              <a:t>Syntaktický analyzátor</a:t>
-            </a:r>
-            <a:endParaRPr lang="cs-CZ" sz="3200" dirty="0"/>
-          </a:p>
-        </p:txBody>
-      </p:sp>
-      <p:sp>
-        <p:nvSpPr>
-          <p:cNvPr id="6" name="Zaoblený obdélník 5"/>
-          <p:cNvSpPr/>
+          <a:noFill/>
+        </p:spPr>
+        <p:txBody>
+          <a:bodyPr wrap="square" rtlCol="0">
+            <a:spAutoFit/>
+          </a:bodyPr>
+          <a:lstStyle/>
+          <a:p>
+            <a:r>
+              <a:rPr lang="cs-CZ" sz="2800" dirty="0" smtClean="0"/>
+              <a:t>ukazatel na data</a:t>
+            </a:r>
+          </a:p>
+          <a:p>
+            <a:r>
+              <a:rPr lang="cs-CZ" sz="2800" dirty="0" err="1" smtClean="0"/>
+              <a:t>inicializovanost</a:t>
+            </a:r>
+            <a:endParaRPr lang="cs-CZ" sz="2800" dirty="0" smtClean="0"/>
+          </a:p>
+          <a:p>
+            <a:r>
+              <a:rPr lang="cs-CZ" sz="2800" dirty="0" smtClean="0"/>
+              <a:t>pořadí v rámci argumentů funkce</a:t>
+            </a:r>
+          </a:p>
+        </p:txBody>
+      </p:sp>
+      <p:sp>
+        <p:nvSpPr>
+          <p:cNvPr id="7" name="TextovéPole 6"/>
+          <p:cNvSpPr txBox="1"/>
           <p:nvPr/>
         </p:nvSpPr>
         <p:spPr>
           <a:xfrm>
-            <a:off x="6215074" y="2928934"/>
-            <a:ext cx="2214578" cy="1357322"/>
-          </a:xfrm>
-          <a:prstGeom prst="roundRect">
+            <a:off x="571472" y="4542076"/>
+            <a:ext cx="3214710" cy="1815882"/>
+          </a:xfrm>
+          <a:prstGeom prst="rect">
             <a:avLst/>
           </a:prstGeom>
-        </p:spPr>
-        <p:style>
-          <a:lnRef idx="2">
-            <a:schemeClr val="accent5">
-              <a:shade val="50000"/>
-            </a:schemeClr>
-          </a:lnRef>
-          <a:fillRef idx="1">
-            <a:schemeClr val="accent5"/>
-          </a:fillRef>
-          <a:effectRef idx="0">
-            <a:schemeClr val="accent5"/>
-          </a:effectRef>
-          <a:fontRef idx="minor">
-            <a:schemeClr val="lt1"/>
-          </a:fontRef>
-        </p:style>
-        <p:txBody>
-          <a:bodyPr rtlCol="0" anchor="ctr"/>
-          <a:lstStyle/>
-          <a:p>
-            <a:pPr algn="ctr"/>
-            <a:r>
-              <a:rPr lang="cs-CZ" sz="3200" dirty="0" smtClean="0"/>
-              <a:t>Interpret</a:t>
-            </a:r>
-            <a:endParaRPr lang="cs-CZ" sz="3200" dirty="0"/>
-          </a:p>
-        </p:txBody>
-      </p:sp>
-      <p:sp>
-        <p:nvSpPr>
-          <p:cNvPr id="8" name="Zaoblený obdélník 7"/>
-          <p:cNvSpPr/>
-          <p:nvPr/>
-        </p:nvSpPr>
-        <p:spPr>
-          <a:xfrm>
-            <a:off x="3428992" y="4429132"/>
-            <a:ext cx="2214578" cy="1571636"/>
-          </a:xfrm>
-          <a:prstGeom prst="roundRect">
-            <a:avLst/>
-          </a:prstGeom>
-        </p:spPr>
-        <p:style>
-          <a:lnRef idx="2">
-            <a:schemeClr val="accent5">
-              <a:shade val="50000"/>
-            </a:schemeClr>
-          </a:lnRef>
-          <a:fillRef idx="1">
-            <a:schemeClr val="accent5"/>
-          </a:fillRef>
-          <a:effectRef idx="0">
-            <a:schemeClr val="accent5"/>
-          </a:effectRef>
-          <a:fontRef idx="minor">
-            <a:schemeClr val="lt1"/>
-          </a:fontRef>
-        </p:style>
-        <p:txBody>
-          <a:bodyPr rtlCol="0" anchor="ctr"/>
-          <a:lstStyle/>
-          <a:p>
-            <a:pPr algn="ctr"/>
-            <a:r>
-              <a:rPr lang="cs-CZ" sz="3200" dirty="0" smtClean="0"/>
-              <a:t>Prediktivní analyzátor výrazu</a:t>
-            </a:r>
-            <a:endParaRPr lang="cs-CZ" sz="3200" dirty="0"/>
+          <a:noFill/>
+        </p:spPr>
+        <p:txBody>
+          <a:bodyPr wrap="square" rtlCol="0">
+            <a:spAutoFit/>
+          </a:bodyPr>
+          <a:lstStyle/>
+          <a:p>
+            <a:r>
+              <a:rPr lang="cs-CZ" sz="2800" dirty="0" smtClean="0"/>
+              <a:t>pole </a:t>
+            </a:r>
+            <a:r>
+              <a:rPr lang="cs-CZ" sz="2800" dirty="0" err="1" smtClean="0"/>
+              <a:t>d</a:t>
+            </a:r>
+            <a:r>
+              <a:rPr lang="cs-CZ" sz="2800" dirty="0" smtClean="0"/>
+              <a:t>. </a:t>
+            </a:r>
+            <a:r>
+              <a:rPr lang="cs-CZ" sz="2800" dirty="0" err="1" smtClean="0"/>
+              <a:t>t</a:t>
+            </a:r>
+            <a:r>
+              <a:rPr lang="cs-CZ" sz="2800" dirty="0" smtClean="0"/>
+              <a:t>. argumentů</a:t>
+            </a:r>
+            <a:endParaRPr lang="cs-CZ" sz="2800" dirty="0" smtClean="0"/>
+          </a:p>
+          <a:p>
+            <a:r>
+              <a:rPr lang="cs-CZ" sz="2800" dirty="0" smtClean="0"/>
+              <a:t>počet argumentů</a:t>
+            </a:r>
+          </a:p>
+          <a:p>
+            <a:r>
+              <a:rPr lang="cs-CZ" sz="2800" dirty="0" smtClean="0"/>
+              <a:t>lokální tabulka</a:t>
+            </a:r>
+          </a:p>
+          <a:p>
+            <a:r>
+              <a:rPr lang="cs-CZ" sz="2800" dirty="0" smtClean="0"/>
+              <a:t>instrukční páska</a:t>
+            </a:r>
+            <a:endParaRPr lang="cs-CZ" sz="2800" dirty="0"/>
           </a:p>
         </p:txBody>
       </p:sp>
       <p:cxnSp>
         <p:nvCxnSpPr>
-          <p:cNvPr id="10" name="Přímá spojovací šipka 9"/>
-          <p:cNvCxnSpPr>
-            <a:stCxn id="5" idx="1"/>
-            <a:endCxn id="4" idx="0"/>
-          </p:cNvCxnSpPr>
+          <p:cNvPr id="9" name="Přímá spojovací šipka 8"/>
+          <p:cNvCxnSpPr/>
           <p:nvPr/>
         </p:nvCxnSpPr>
         <p:spPr>
-          <a:xfrm rot="10800000" flipV="1">
-            <a:off x="1821638" y="2250272"/>
-            <a:ext cx="1607355" cy="678661"/>
+          <a:xfrm rot="5400000">
+            <a:off x="4643438" y="4429132"/>
+            <a:ext cx="785818" cy="71438"/>
           </a:xfrm>
           <a:prstGeom prst="straightConnector1">
             <a:avLst/>
@@ -4564,13 +4790,13 @@
         </p:spPr>
         <p:style>
           <a:lnRef idx="1">
-            <a:schemeClr val="dk1"/>
+            <a:schemeClr val="accent1"/>
           </a:lnRef>
           <a:fillRef idx="0">
-            <a:schemeClr val="dk1"/>
+            <a:schemeClr val="accent1"/>
           </a:fillRef>
           <a:effectRef idx="0">
-            <a:schemeClr val="dk1"/>
+            <a:schemeClr val="accent1"/>
           </a:effectRef>
           <a:fontRef idx="minor">
             <a:schemeClr val="tx1"/>
@@ -4581,15 +4807,14 @@
         <p:nvCxnSpPr>
           <p:cNvPr id="12" name="Přímá spojovací šipka 11"/>
           <p:cNvCxnSpPr>
-            <a:stCxn id="8" idx="1"/>
-            <a:endCxn id="4" idx="2"/>
+            <a:endCxn id="7" idx="0"/>
           </p:cNvCxnSpPr>
           <p:nvPr/>
         </p:nvCxnSpPr>
         <p:spPr>
-          <a:xfrm rot="10800000">
-            <a:off x="1821638" y="4286256"/>
-            <a:ext cx="1607355" cy="928694"/>
+          <a:xfrm rot="10800000" flipV="1">
+            <a:off x="2178828" y="4071942"/>
+            <a:ext cx="750111" cy="470134"/>
           </a:xfrm>
           <a:prstGeom prst="straightConnector1">
             <a:avLst/>
@@ -4600,85 +4825,13 @@
         </p:spPr>
         <p:style>
           <a:lnRef idx="1">
-            <a:schemeClr val="dk1"/>
+            <a:schemeClr val="accent1"/>
           </a:lnRef>
           <a:fillRef idx="0">
-            <a:schemeClr val="dk1"/>
+            <a:schemeClr val="accent1"/>
           </a:fillRef>
           <a:effectRef idx="0">
-            <a:schemeClr val="dk1"/>
-          </a:effectRef>
-          <a:fontRef idx="minor">
-            <a:schemeClr val="tx1"/>
-          </a:fontRef>
-        </p:style>
-      </p:cxnSp>
-      <p:cxnSp>
-        <p:nvCxnSpPr>
-          <p:cNvPr id="18" name="Přímá spojovací šipka 17"/>
-          <p:cNvCxnSpPr>
-            <a:stCxn id="5" idx="3"/>
-            <a:endCxn id="6" idx="0"/>
-          </p:cNvCxnSpPr>
-          <p:nvPr/>
-        </p:nvCxnSpPr>
-        <p:spPr>
-          <a:xfrm>
-            <a:off x="5643570" y="2250273"/>
-            <a:ext cx="1678793" cy="678661"/>
-          </a:xfrm>
-          <a:prstGeom prst="straightConnector1">
-            <a:avLst/>
-          </a:prstGeom>
-          <a:ln w="38100">
-            <a:tailEnd type="arrow"/>
-          </a:ln>
-        </p:spPr>
-        <p:style>
-          <a:lnRef idx="1">
-            <a:schemeClr val="dk1"/>
-          </a:lnRef>
-          <a:fillRef idx="0">
-            <a:schemeClr val="dk1"/>
-          </a:fillRef>
-          <a:effectRef idx="0">
-            <a:schemeClr val="dk1"/>
-          </a:effectRef>
-          <a:fontRef idx="minor">
-            <a:schemeClr val="tx1"/>
-          </a:fontRef>
-        </p:style>
-      </p:cxnSp>
-      <p:cxnSp>
-        <p:nvCxnSpPr>
-          <p:cNvPr id="21" name="Přímá spojovací šipka 20"/>
-          <p:cNvCxnSpPr>
-            <a:stCxn id="5" idx="2"/>
-            <a:endCxn id="8" idx="0"/>
-          </p:cNvCxnSpPr>
-          <p:nvPr/>
-        </p:nvCxnSpPr>
-        <p:spPr>
-          <a:xfrm rot="5400000">
-            <a:off x="3786182" y="3679033"/>
-            <a:ext cx="1500198" cy="1588"/>
-          </a:xfrm>
-          <a:prstGeom prst="straightConnector1">
-            <a:avLst/>
-          </a:prstGeom>
-          <a:ln w="38100">
-            <a:tailEnd type="arrow"/>
-          </a:ln>
-        </p:spPr>
-        <p:style>
-          <a:lnRef idx="1">
-            <a:schemeClr val="dk1"/>
-          </a:lnRef>
-          <a:fillRef idx="0">
-            <a:schemeClr val="dk1"/>
-          </a:fillRef>
-          <a:effectRef idx="0">
-            <a:schemeClr val="dk1"/>
+            <a:schemeClr val="accent1"/>
           </a:effectRef>
           <a:fontRef idx="minor">
             <a:schemeClr val="tx1"/>
@@ -4727,67 +4880,9 @@
           <a:p>
             <a:r>
               <a:rPr lang="cs-CZ" b="1" dirty="0" smtClean="0"/>
-              <a:t>Lexikální analyzátor</a:t>
+              <a:t>Implementace</a:t>
             </a:r>
             <a:endParaRPr lang="cs-CZ" b="1" dirty="0"/>
-          </a:p>
-        </p:txBody>
-      </p:sp>
-      <p:sp>
-        <p:nvSpPr>
-          <p:cNvPr id="3" name="Zástupný symbol pro obsah 2"/>
-          <p:cNvSpPr>
-            <a:spLocks noGrp="1"/>
-          </p:cNvSpPr>
-          <p:nvPr>
-            <p:ph idx="1"/>
-          </p:nvPr>
-        </p:nvSpPr>
-        <p:spPr>
-          <a:xfrm>
-            <a:off x="457200" y="1600200"/>
-            <a:ext cx="3757610" cy="4525963"/>
-          </a:xfrm>
-        </p:spPr>
-        <p:txBody>
-          <a:bodyPr/>
-          <a:lstStyle/>
-          <a:p>
-            <a:r>
-              <a:rPr lang="cs-CZ" dirty="0" smtClean="0"/>
-              <a:t>stavové automaty</a:t>
-            </a:r>
-          </a:p>
-          <a:p>
-            <a:r>
-              <a:rPr lang="cs-CZ" dirty="0" smtClean="0"/>
-              <a:t>generování </a:t>
-            </a:r>
-            <a:r>
-              <a:rPr lang="cs-CZ" dirty="0" err="1" smtClean="0"/>
-              <a:t>tokenů</a:t>
-            </a:r>
-            <a:endParaRPr lang="cs-CZ" dirty="0" smtClean="0"/>
-          </a:p>
-          <a:p>
-            <a:pPr lvl="1"/>
-            <a:r>
-              <a:rPr lang="cs-CZ" dirty="0" smtClean="0"/>
-              <a:t>typ </a:t>
-            </a:r>
-            <a:r>
-              <a:rPr lang="cs-CZ" dirty="0" err="1" smtClean="0"/>
-              <a:t>tokenu</a:t>
-            </a:r>
-            <a:endParaRPr lang="cs-CZ" dirty="0" smtClean="0"/>
-          </a:p>
-          <a:p>
-            <a:pPr lvl="1"/>
-            <a:r>
-              <a:rPr lang="cs-CZ" dirty="0" smtClean="0"/>
-              <a:t>ukazatel na data</a:t>
-            </a:r>
-            <a:endParaRPr lang="cs-CZ" dirty="0"/>
           </a:p>
         </p:txBody>
       </p:sp>
@@ -4799,8 +4894,8 @@
         </p:nvSpPr>
         <p:spPr>
           <a:xfrm>
-            <a:off x="4214810" y="3571876"/>
-            <a:ext cx="1571636" cy="863750"/>
+            <a:off x="714348" y="3000372"/>
+            <a:ext cx="2214578" cy="1357322"/>
           </a:xfrm>
           <a:prstGeom prst="roundRect">
             <a:avLst/>
@@ -4828,10 +4923,10 @@
           <a:p>
             <a:pPr algn="ctr"/>
             <a:r>
-              <a:rPr lang="cs-CZ" sz="2000" dirty="0" smtClean="0"/>
+              <a:rPr lang="cs-CZ" sz="3200" dirty="0" smtClean="0"/>
               <a:t>Lexikální analyzátor</a:t>
             </a:r>
-            <a:endParaRPr lang="cs-CZ" sz="2000" dirty="0"/>
+            <a:endParaRPr lang="cs-CZ" sz="3200" dirty="0"/>
           </a:p>
         </p:txBody>
       </p:sp>
@@ -4843,30 +4938,27 @@
         </p:nvSpPr>
         <p:spPr>
           <a:xfrm>
-            <a:off x="5715008" y="2643182"/>
-            <a:ext cx="1571636" cy="863750"/>
+            <a:off x="3428992" y="1571612"/>
+            <a:ext cx="2214578" cy="1357322"/>
           </a:xfrm>
           <a:prstGeom prst="roundRect">
             <a:avLst/>
           </a:prstGeom>
-          <a:ln>
-            <a:solidFill>
-              <a:schemeClr val="accent5"/>
-            </a:solidFill>
-          </a:ln>
         </p:spPr>
         <p:style>
           <a:lnRef idx="2">
-            <a:schemeClr val="accent6"/>
+            <a:schemeClr val="accent5">
+              <a:shade val="50000"/>
+            </a:schemeClr>
           </a:lnRef>
           <a:fillRef idx="1">
-            <a:schemeClr val="lt1"/>
+            <a:schemeClr val="accent5"/>
           </a:fillRef>
           <a:effectRef idx="0">
-            <a:schemeClr val="accent6"/>
+            <a:schemeClr val="accent5"/>
           </a:effectRef>
           <a:fontRef idx="minor">
-            <a:schemeClr val="dk1"/>
+            <a:schemeClr val="lt1"/>
           </a:fontRef>
         </p:style>
         <p:txBody>
@@ -4875,10 +4967,10 @@
           <a:p>
             <a:pPr algn="ctr"/>
             <a:r>
-              <a:rPr lang="cs-CZ" sz="2000" dirty="0" smtClean="0"/>
+              <a:rPr lang="cs-CZ" sz="3200" dirty="0" smtClean="0"/>
               <a:t>Syntaktický analyzátor</a:t>
             </a:r>
-            <a:endParaRPr lang="cs-CZ" sz="2000" dirty="0"/>
+            <a:endParaRPr lang="cs-CZ" sz="3200" dirty="0"/>
           </a:p>
         </p:txBody>
       </p:sp>
@@ -4890,30 +4982,27 @@
         </p:nvSpPr>
         <p:spPr>
           <a:xfrm>
-            <a:off x="7286644" y="3500438"/>
-            <a:ext cx="1571636" cy="863750"/>
+            <a:off x="6215074" y="2928934"/>
+            <a:ext cx="2214578" cy="1357322"/>
           </a:xfrm>
           <a:prstGeom prst="roundRect">
             <a:avLst/>
           </a:prstGeom>
-          <a:ln>
-            <a:solidFill>
-              <a:schemeClr val="accent5"/>
-            </a:solidFill>
-          </a:ln>
         </p:spPr>
         <p:style>
           <a:lnRef idx="2">
-            <a:schemeClr val="accent6"/>
+            <a:schemeClr val="accent5">
+              <a:shade val="50000"/>
+            </a:schemeClr>
           </a:lnRef>
           <a:fillRef idx="1">
-            <a:schemeClr val="lt1"/>
+            <a:schemeClr val="accent5"/>
           </a:fillRef>
           <a:effectRef idx="0">
-            <a:schemeClr val="accent6"/>
+            <a:schemeClr val="accent5"/>
           </a:effectRef>
           <a:fontRef idx="minor">
-            <a:schemeClr val="dk1"/>
+            <a:schemeClr val="lt1"/>
           </a:fontRef>
         </p:style>
         <p:txBody>
@@ -4922,45 +5011,42 @@
           <a:p>
             <a:pPr algn="ctr"/>
             <a:r>
-              <a:rPr lang="cs-CZ" sz="2000" dirty="0" smtClean="0"/>
+              <a:rPr lang="cs-CZ" sz="3200" dirty="0" smtClean="0"/>
               <a:t>Interpret</a:t>
             </a:r>
-            <a:endParaRPr lang="cs-CZ" sz="2000" dirty="0"/>
-          </a:p>
-        </p:txBody>
-      </p:sp>
-      <p:sp>
-        <p:nvSpPr>
-          <p:cNvPr id="7" name="Zaoblený obdélník 6"/>
+            <a:endParaRPr lang="cs-CZ" sz="3200" dirty="0"/>
+          </a:p>
+        </p:txBody>
+      </p:sp>
+      <p:sp>
+        <p:nvSpPr>
+          <p:cNvPr id="8" name="Zaoblený obdélník 7"/>
           <p:cNvSpPr/>
           <p:nvPr/>
         </p:nvSpPr>
         <p:spPr>
           <a:xfrm>
-            <a:off x="5715008" y="4357694"/>
-            <a:ext cx="1571636" cy="1000132"/>
+            <a:off x="3428992" y="4429132"/>
+            <a:ext cx="2214578" cy="1571636"/>
           </a:xfrm>
           <a:prstGeom prst="roundRect">
             <a:avLst/>
           </a:prstGeom>
-          <a:ln>
-            <a:solidFill>
-              <a:schemeClr val="accent5"/>
-            </a:solidFill>
-          </a:ln>
         </p:spPr>
         <p:style>
           <a:lnRef idx="2">
-            <a:schemeClr val="accent6"/>
+            <a:schemeClr val="accent5">
+              <a:shade val="50000"/>
+            </a:schemeClr>
           </a:lnRef>
           <a:fillRef idx="1">
-            <a:schemeClr val="lt1"/>
+            <a:schemeClr val="accent5"/>
           </a:fillRef>
           <a:effectRef idx="0">
-            <a:schemeClr val="accent6"/>
+            <a:schemeClr val="accent5"/>
           </a:effectRef>
           <a:fontRef idx="minor">
-            <a:schemeClr val="dk1"/>
+            <a:schemeClr val="lt1"/>
           </a:fontRef>
         </p:style>
         <p:txBody>
@@ -4969,16 +5055,16 @@
           <a:p>
             <a:pPr algn="ctr"/>
             <a:r>
-              <a:rPr lang="cs-CZ" sz="2000" dirty="0" smtClean="0"/>
+              <a:rPr lang="cs-CZ" sz="3200" dirty="0" smtClean="0"/>
               <a:t>Prediktivní analyzátor výrazu</a:t>
             </a:r>
-            <a:endParaRPr lang="cs-CZ" sz="2000" dirty="0"/>
+            <a:endParaRPr lang="cs-CZ" sz="3200" dirty="0"/>
           </a:p>
         </p:txBody>
       </p:sp>
       <p:cxnSp>
         <p:nvCxnSpPr>
-          <p:cNvPr id="8" name="Přímá spojovací šipka 7"/>
+          <p:cNvPr id="10" name="Přímá spojovací šipka 9"/>
           <p:cNvCxnSpPr>
             <a:stCxn id="5" idx="1"/>
             <a:endCxn id="4" idx="0"/>
@@ -4987,8 +5073,8 @@
         </p:nvCxnSpPr>
         <p:spPr>
           <a:xfrm rot="10800000" flipV="1">
-            <a:off x="5000628" y="3075056"/>
-            <a:ext cx="714380" cy="496819"/>
+            <a:off x="1821638" y="2250272"/>
+            <a:ext cx="1607355" cy="750099"/>
           </a:xfrm>
           <a:prstGeom prst="straightConnector1">
             <a:avLst/>
@@ -5014,17 +5100,17 @@
       </p:cxnSp>
       <p:cxnSp>
         <p:nvCxnSpPr>
-          <p:cNvPr id="9" name="Přímá spojovací šipka 8"/>
+          <p:cNvPr id="12" name="Přímá spojovací šipka 11"/>
           <p:cNvCxnSpPr>
-            <a:stCxn id="7" idx="1"/>
+            <a:stCxn id="8" idx="1"/>
             <a:endCxn id="4" idx="2"/>
           </p:cNvCxnSpPr>
           <p:nvPr/>
         </p:nvCxnSpPr>
         <p:spPr>
           <a:xfrm rot="10800000">
-            <a:off x="5000628" y="4435626"/>
-            <a:ext cx="714380" cy="422134"/>
+            <a:off x="1821638" y="4357694"/>
+            <a:ext cx="1607355" cy="857256"/>
           </a:xfrm>
           <a:prstGeom prst="straightConnector1">
             <a:avLst/>
@@ -5050,7 +5136,7 @@
       </p:cxnSp>
       <p:cxnSp>
         <p:nvCxnSpPr>
-          <p:cNvPr id="10" name="Přímá spojovací šipka 9"/>
+          <p:cNvPr id="18" name="Přímá spojovací šipka 17"/>
           <p:cNvCxnSpPr>
             <a:stCxn id="5" idx="3"/>
             <a:endCxn id="6" idx="0"/>
@@ -5059,8 +5145,8 @@
         </p:nvCxnSpPr>
         <p:spPr>
           <a:xfrm>
-            <a:off x="7286644" y="3075057"/>
-            <a:ext cx="785818" cy="425381"/>
+            <a:off x="5643570" y="2250273"/>
+            <a:ext cx="1678793" cy="678661"/>
           </a:xfrm>
           <a:prstGeom prst="straightConnector1">
             <a:avLst/>
@@ -5086,17 +5172,17 @@
       </p:cxnSp>
       <p:cxnSp>
         <p:nvCxnSpPr>
-          <p:cNvPr id="11" name="Přímá spojovací šipka 10"/>
+          <p:cNvPr id="21" name="Přímá spojovací šipka 20"/>
           <p:cNvCxnSpPr>
             <a:stCxn id="5" idx="2"/>
-            <a:endCxn id="7" idx="0"/>
+            <a:endCxn id="8" idx="0"/>
           </p:cNvCxnSpPr>
           <p:nvPr/>
         </p:nvCxnSpPr>
         <p:spPr>
           <a:xfrm rot="5400000">
-            <a:off x="6075445" y="3932313"/>
-            <a:ext cx="850762" cy="1588"/>
+            <a:off x="3786182" y="3679033"/>
+            <a:ext cx="1500198" cy="1588"/>
           </a:xfrm>
           <a:prstGeom prst="straightConnector1">
             <a:avLst/>
@@ -5162,7 +5248,7 @@
           <a:p>
             <a:r>
               <a:rPr lang="cs-CZ" b="1" dirty="0" smtClean="0"/>
-              <a:t>Syntaktický analyzátor</a:t>
+              <a:t>Lexikální analyzátor</a:t>
             </a:r>
             <a:endParaRPr lang="cs-CZ" b="1" dirty="0"/>
           </a:p>
@@ -5190,25 +5276,37 @@
           <a:p>
             <a:r>
               <a:rPr lang="cs-CZ" dirty="0" smtClean="0"/>
-              <a:t>2 průchody</a:t>
+              <a:t>stavové automaty</a:t>
             </a:r>
           </a:p>
           <a:p>
             <a:r>
               <a:rPr lang="cs-CZ" dirty="0" smtClean="0"/>
-              <a:t>LL gramatika</a:t>
-            </a:r>
-          </a:p>
-          <a:p>
+              <a:t>generování </a:t>
+            </a:r>
+            <a:r>
+              <a:rPr lang="cs-CZ" dirty="0" err="1" smtClean="0"/>
+              <a:t>tokenů</a:t>
+            </a:r>
+            <a:endParaRPr lang="cs-CZ" dirty="0" smtClean="0"/>
+          </a:p>
+          <a:p>
+            <a:pPr lvl="1"/>
             <a:r>
               <a:rPr lang="cs-CZ" dirty="0" smtClean="0"/>
-              <a:t>tabulky symbolů</a:t>
-            </a:r>
-          </a:p>
-          <a:p>
+              <a:t>typ </a:t>
+            </a:r>
+            <a:r>
+              <a:rPr lang="cs-CZ" dirty="0" err="1" smtClean="0"/>
+              <a:t>tokenu</a:t>
+            </a:r>
+            <a:endParaRPr lang="cs-CZ" dirty="0" smtClean="0"/>
+          </a:p>
+          <a:p>
+            <a:pPr lvl="1"/>
             <a:r>
               <a:rPr lang="cs-CZ" dirty="0" smtClean="0"/>
-              <a:t>generování vnitřního kódu</a:t>
+              <a:t>ukazatel na data</a:t>
             </a:r>
             <a:endParaRPr lang="cs-CZ" dirty="0"/>
           </a:p>
@@ -5222,60 +5320,12 @@
         </p:nvSpPr>
         <p:spPr>
           <a:xfrm>
-            <a:off x="4214810" y="3571876"/>
+            <a:off x="4214810" y="3500438"/>
             <a:ext cx="1571636" cy="863750"/>
           </a:xfrm>
           <a:prstGeom prst="roundRect">
             <a:avLst/>
           </a:prstGeom>
-          <a:ln>
-            <a:solidFill>
-              <a:schemeClr val="accent5"/>
-            </a:solidFill>
-          </a:ln>
-        </p:spPr>
-        <p:style>
-          <a:lnRef idx="2">
-            <a:schemeClr val="accent6"/>
-          </a:lnRef>
-          <a:fillRef idx="1">
-            <a:schemeClr val="lt1"/>
-          </a:fillRef>
-          <a:effectRef idx="0">
-            <a:schemeClr val="accent6"/>
-          </a:effectRef>
-          <a:fontRef idx="minor">
-            <a:schemeClr val="dk1"/>
-          </a:fontRef>
-        </p:style>
-        <p:txBody>
-          <a:bodyPr rtlCol="0" anchor="ctr"/>
-          <a:lstStyle/>
-          <a:p>
-            <a:pPr algn="ctr"/>
-            <a:r>
-              <a:rPr lang="cs-CZ" sz="2000" dirty="0" smtClean="0"/>
-              <a:t>Lexikální analyzátor</a:t>
-            </a:r>
-            <a:endParaRPr lang="cs-CZ" sz="2000" dirty="0"/>
-          </a:p>
-        </p:txBody>
-      </p:sp>
-      <p:sp>
-        <p:nvSpPr>
-          <p:cNvPr id="5" name="Zaoblený obdélník 4"/>
-          <p:cNvSpPr/>
-          <p:nvPr/>
-        </p:nvSpPr>
-        <p:spPr>
-          <a:xfrm>
-            <a:off x="5715008" y="2643182"/>
-            <a:ext cx="1571636" cy="863750"/>
-          </a:xfrm>
-          <a:prstGeom prst="roundRect">
-            <a:avLst/>
-          </a:prstGeom>
-          <a:ln/>
         </p:spPr>
         <p:style>
           <a:lnRef idx="2">
@@ -5300,7 +5350,7 @@
             <a:pPr algn="ctr"/>
             <a:r>
               <a:rPr lang="cs-CZ" sz="2000" dirty="0" smtClean="0"/>
-              <a:t>Syntaktický analyzátor</a:t>
+              <a:t>Lexikální analyzátor</a:t>
             </a:r>
             <a:endParaRPr lang="cs-CZ" sz="2000" dirty="0"/>
           </a:p>
@@ -5308,13 +5358,13 @@
       </p:sp>
       <p:sp>
         <p:nvSpPr>
-          <p:cNvPr id="6" name="Zaoblený obdélník 5"/>
+          <p:cNvPr id="5" name="Zaoblený obdélník 4"/>
           <p:cNvSpPr/>
           <p:nvPr/>
         </p:nvSpPr>
         <p:spPr>
           <a:xfrm>
-            <a:off x="7286644" y="3500438"/>
+            <a:off x="5715008" y="2643182"/>
             <a:ext cx="1571636" cy="863750"/>
           </a:xfrm>
           <a:prstGeom prst="roundRect">
@@ -5347,7 +5397,7 @@
             <a:pPr algn="ctr"/>
             <a:r>
               <a:rPr lang="cs-CZ" sz="2000" dirty="0" smtClean="0"/>
-              <a:t>Interpret</a:t>
+              <a:t>Syntaktický analyzátor</a:t>
             </a:r>
             <a:endParaRPr lang="cs-CZ" sz="2000" dirty="0"/>
           </a:p>
@@ -5355,14 +5405,14 @@
       </p:sp>
       <p:sp>
         <p:nvSpPr>
-          <p:cNvPr id="7" name="Zaoblený obdélník 6"/>
+          <p:cNvPr id="6" name="Zaoblený obdélník 5"/>
           <p:cNvSpPr/>
           <p:nvPr/>
         </p:nvSpPr>
         <p:spPr>
           <a:xfrm>
-            <a:off x="5715008" y="4357694"/>
-            <a:ext cx="1571636" cy="1000132"/>
+            <a:off x="7286644" y="3500438"/>
+            <a:ext cx="1571636" cy="863750"/>
           </a:xfrm>
           <a:prstGeom prst="roundRect">
             <a:avLst/>
@@ -5394,6 +5444,53 @@
             <a:pPr algn="ctr"/>
             <a:r>
               <a:rPr lang="cs-CZ" sz="2000" dirty="0" smtClean="0"/>
+              <a:t>Interpret</a:t>
+            </a:r>
+            <a:endParaRPr lang="cs-CZ" sz="2000" dirty="0"/>
+          </a:p>
+        </p:txBody>
+      </p:sp>
+      <p:sp>
+        <p:nvSpPr>
+          <p:cNvPr id="7" name="Zaoblený obdélník 6"/>
+          <p:cNvSpPr/>
+          <p:nvPr/>
+        </p:nvSpPr>
+        <p:spPr>
+          <a:xfrm>
+            <a:off x="5715008" y="4357694"/>
+            <a:ext cx="1571636" cy="1000132"/>
+          </a:xfrm>
+          <a:prstGeom prst="roundRect">
+            <a:avLst/>
+          </a:prstGeom>
+          <a:ln>
+            <a:solidFill>
+              <a:schemeClr val="accent5"/>
+            </a:solidFill>
+          </a:ln>
+        </p:spPr>
+        <p:style>
+          <a:lnRef idx="2">
+            <a:schemeClr val="accent6"/>
+          </a:lnRef>
+          <a:fillRef idx="1">
+            <a:schemeClr val="lt1"/>
+          </a:fillRef>
+          <a:effectRef idx="0">
+            <a:schemeClr val="accent6"/>
+          </a:effectRef>
+          <a:fontRef idx="minor">
+            <a:schemeClr val="dk1"/>
+          </a:fontRef>
+        </p:style>
+        <p:txBody>
+          <a:bodyPr rtlCol="0" anchor="ctr"/>
+          <a:lstStyle/>
+          <a:p>
+            <a:pPr algn="ctr"/>
+            <a:r>
+              <a:rPr lang="cs-CZ" sz="2000" dirty="0" smtClean="0"/>
               <a:t>Prediktivní analyzátor výrazu</a:t>
             </a:r>
             <a:endParaRPr lang="cs-CZ" sz="2000" dirty="0"/>
@@ -5412,7 +5509,7 @@
         <p:spPr>
           <a:xfrm rot="10800000" flipV="1">
             <a:off x="5000628" y="3075056"/>
-            <a:ext cx="714380" cy="496819"/>
+            <a:ext cx="714380" cy="425381"/>
           </a:xfrm>
           <a:prstGeom prst="straightConnector1">
             <a:avLst/>
@@ -5447,8 +5544,8 @@
         </p:nvCxnSpPr>
         <p:spPr>
           <a:xfrm rot="10800000">
-            <a:off x="5000628" y="4435626"/>
-            <a:ext cx="714380" cy="422134"/>
+            <a:off x="5000628" y="4364188"/>
+            <a:ext cx="714380" cy="493572"/>
           </a:xfrm>
           <a:prstGeom prst="straightConnector1">
             <a:avLst/>
@@ -5586,7 +5683,7 @@
           <a:p>
             <a:r>
               <a:rPr lang="cs-CZ" b="1" dirty="0" smtClean="0"/>
-              <a:t>Prediktivní analyzátor výrazu</a:t>
+              <a:t>Syntaktický analyzátor</a:t>
             </a:r>
             <a:endParaRPr lang="cs-CZ" b="1" dirty="0"/>
           </a:p>
@@ -5614,27 +5711,25 @@
           <a:p>
             <a:r>
               <a:rPr lang="cs-CZ" dirty="0" smtClean="0"/>
-              <a:t>zpracování výrazu na posloupnost </a:t>
-            </a:r>
-            <a:r>
-              <a:rPr lang="cs-CZ" dirty="0" err="1" smtClean="0"/>
-              <a:t>tokenů</a:t>
-            </a:r>
+              <a:t>2 průchody</a:t>
+            </a:r>
+          </a:p>
+          <a:p>
             <a:r>
               <a:rPr lang="cs-CZ" dirty="0" smtClean="0"/>
-              <a:t> ve formátu postfix</a:t>
+              <a:t>LL gramatika</a:t>
             </a:r>
           </a:p>
           <a:p>
             <a:r>
               <a:rPr lang="cs-CZ" dirty="0" smtClean="0"/>
-              <a:t>případné rekurzivní volání sama sebe</a:t>
+              <a:t>tabulky symbolů</a:t>
             </a:r>
           </a:p>
           <a:p>
             <a:r>
               <a:rPr lang="cs-CZ" dirty="0" smtClean="0"/>
-              <a:t>precedenční tabulka</a:t>
+              <a:t>generování vnitřního kódu</a:t>
             </a:r>
             <a:endParaRPr lang="cs-CZ" dirty="0"/>
           </a:p>
@@ -5648,49 +5743,7 @@
         </p:nvSpPr>
         <p:spPr>
           <a:xfrm>
-            <a:off x="4214810" y="3571876"/>
-            <a:ext cx="1571636" cy="863750"/>
-          </a:xfrm>
-          <a:prstGeom prst="roundRect">
-            <a:avLst/>
-          </a:prstGeom>
-        </p:spPr>
-        <p:style>
-          <a:lnRef idx="2">
-            <a:schemeClr val="accent5"/>
-          </a:lnRef>
-          <a:fillRef idx="1">
-            <a:schemeClr val="lt1"/>
-          </a:fillRef>
-          <a:effectRef idx="0">
-            <a:schemeClr val="accent5"/>
-          </a:effectRef>
-          <a:fontRef idx="minor">
-            <a:schemeClr val="dk1"/>
-          </a:fontRef>
-        </p:style>
-        <p:txBody>
-          <a:bodyPr rtlCol="0" anchor="ctr"/>
-          <a:lstStyle/>
-          <a:p>
-            <a:pPr algn="ctr"/>
-            <a:r>
-              <a:rPr lang="cs-CZ" sz="2000" dirty="0" smtClean="0"/>
-              <a:t>Lexikální analyzátor</a:t>
-            </a:r>
-            <a:endParaRPr lang="cs-CZ" sz="2000" dirty="0"/>
-          </a:p>
-        </p:txBody>
-      </p:sp>
-      <p:sp>
-        <p:nvSpPr>
-          <p:cNvPr id="5" name="Zaoblený obdélník 4"/>
-          <p:cNvSpPr/>
-          <p:nvPr/>
-        </p:nvSpPr>
-        <p:spPr>
-          <a:xfrm>
-            <a:off x="5715008" y="2643182"/>
+            <a:off x="4214810" y="3500438"/>
             <a:ext cx="1571636" cy="863750"/>
           </a:xfrm>
           <a:prstGeom prst="roundRect">
@@ -5723,7 +5776,7 @@
             <a:pPr algn="ctr"/>
             <a:r>
               <a:rPr lang="cs-CZ" sz="2000" dirty="0" smtClean="0"/>
-              <a:t>Syntaktický analyzátor</a:t>
+              <a:t>Lexikální analyzátor</a:t>
             </a:r>
             <a:endParaRPr lang="cs-CZ" sz="2000" dirty="0"/>
           </a:p>
@@ -5731,61 +5784,14 @@
       </p:sp>
       <p:sp>
         <p:nvSpPr>
-          <p:cNvPr id="6" name="Zaoblený obdélník 5"/>
+          <p:cNvPr id="5" name="Zaoblený obdélník 4"/>
           <p:cNvSpPr/>
           <p:nvPr/>
         </p:nvSpPr>
         <p:spPr>
           <a:xfrm>
-            <a:off x="7286644" y="3500438"/>
+            <a:off x="5715008" y="2643182"/>
             <a:ext cx="1571636" cy="863750"/>
-          </a:xfrm>
-          <a:prstGeom prst="roundRect">
-            <a:avLst/>
-          </a:prstGeom>
-          <a:ln>
-            <a:solidFill>
-              <a:schemeClr val="accent5"/>
-            </a:solidFill>
-          </a:ln>
-        </p:spPr>
-        <p:style>
-          <a:lnRef idx="2">
-            <a:schemeClr val="accent6"/>
-          </a:lnRef>
-          <a:fillRef idx="1">
-            <a:schemeClr val="lt1"/>
-          </a:fillRef>
-          <a:effectRef idx="0">
-            <a:schemeClr val="accent6"/>
-          </a:effectRef>
-          <a:fontRef idx="minor">
-            <a:schemeClr val="dk1"/>
-          </a:fontRef>
-        </p:style>
-        <p:txBody>
-          <a:bodyPr rtlCol="0" anchor="ctr"/>
-          <a:lstStyle/>
-          <a:p>
-            <a:pPr algn="ctr"/>
-            <a:r>
-              <a:rPr lang="cs-CZ" sz="2000" dirty="0" smtClean="0"/>
-              <a:t>Interpret</a:t>
-            </a:r>
-            <a:endParaRPr lang="cs-CZ" sz="2000" dirty="0"/>
-          </a:p>
-        </p:txBody>
-      </p:sp>
-      <p:sp>
-        <p:nvSpPr>
-          <p:cNvPr id="7" name="Zaoblený obdélník 6"/>
-          <p:cNvSpPr/>
-          <p:nvPr/>
-        </p:nvSpPr>
-        <p:spPr>
-          <a:xfrm>
-            <a:off x="5715008" y="4357694"/>
-            <a:ext cx="1571636" cy="1000132"/>
           </a:xfrm>
           <a:prstGeom prst="roundRect">
             <a:avLst/>
@@ -5815,6 +5821,100 @@
             <a:pPr algn="ctr"/>
             <a:r>
               <a:rPr lang="cs-CZ" sz="2000" dirty="0" smtClean="0"/>
+              <a:t>Syntaktický analyzátor</a:t>
+            </a:r>
+            <a:endParaRPr lang="cs-CZ" sz="2000" dirty="0"/>
+          </a:p>
+        </p:txBody>
+      </p:sp>
+      <p:sp>
+        <p:nvSpPr>
+          <p:cNvPr id="6" name="Zaoblený obdélník 5"/>
+          <p:cNvSpPr/>
+          <p:nvPr/>
+        </p:nvSpPr>
+        <p:spPr>
+          <a:xfrm>
+            <a:off x="7286644" y="3500438"/>
+            <a:ext cx="1571636" cy="863750"/>
+          </a:xfrm>
+          <a:prstGeom prst="roundRect">
+            <a:avLst/>
+          </a:prstGeom>
+          <a:ln>
+            <a:solidFill>
+              <a:schemeClr val="accent5"/>
+            </a:solidFill>
+          </a:ln>
+        </p:spPr>
+        <p:style>
+          <a:lnRef idx="2">
+            <a:schemeClr val="accent6"/>
+          </a:lnRef>
+          <a:fillRef idx="1">
+            <a:schemeClr val="lt1"/>
+          </a:fillRef>
+          <a:effectRef idx="0">
+            <a:schemeClr val="accent6"/>
+          </a:effectRef>
+          <a:fontRef idx="minor">
+            <a:schemeClr val="dk1"/>
+          </a:fontRef>
+        </p:style>
+        <p:txBody>
+          <a:bodyPr rtlCol="0" anchor="ctr"/>
+          <a:lstStyle/>
+          <a:p>
+            <a:pPr algn="ctr"/>
+            <a:r>
+              <a:rPr lang="cs-CZ" sz="2000" dirty="0" smtClean="0"/>
+              <a:t>Interpret</a:t>
+            </a:r>
+            <a:endParaRPr lang="cs-CZ" sz="2000" dirty="0"/>
+          </a:p>
+        </p:txBody>
+      </p:sp>
+      <p:sp>
+        <p:nvSpPr>
+          <p:cNvPr id="7" name="Zaoblený obdélník 6"/>
+          <p:cNvSpPr/>
+          <p:nvPr/>
+        </p:nvSpPr>
+        <p:spPr>
+          <a:xfrm>
+            <a:off x="5715008" y="4357694"/>
+            <a:ext cx="1571636" cy="1000132"/>
+          </a:xfrm>
+          <a:prstGeom prst="roundRect">
+            <a:avLst/>
+          </a:prstGeom>
+          <a:ln>
+            <a:solidFill>
+              <a:schemeClr val="accent5"/>
+            </a:solidFill>
+          </a:ln>
+        </p:spPr>
+        <p:style>
+          <a:lnRef idx="2">
+            <a:schemeClr val="accent6"/>
+          </a:lnRef>
+          <a:fillRef idx="1">
+            <a:schemeClr val="lt1"/>
+          </a:fillRef>
+          <a:effectRef idx="0">
+            <a:schemeClr val="accent6"/>
+          </a:effectRef>
+          <a:fontRef idx="minor">
+            <a:schemeClr val="dk1"/>
+          </a:fontRef>
+        </p:style>
+        <p:txBody>
+          <a:bodyPr rtlCol="0" anchor="ctr"/>
+          <a:lstStyle/>
+          <a:p>
+            <a:pPr algn="ctr"/>
+            <a:r>
+              <a:rPr lang="cs-CZ" sz="2000" dirty="0" smtClean="0"/>
               <a:t>Prediktivní analyzátor výrazu</a:t>
             </a:r>
             <a:endParaRPr lang="cs-CZ" sz="2000" dirty="0"/>
@@ -5833,7 +5933,7 @@
         <p:spPr>
           <a:xfrm rot="10800000" flipV="1">
             <a:off x="5000628" y="3075056"/>
-            <a:ext cx="714380" cy="496819"/>
+            <a:ext cx="714380" cy="425381"/>
           </a:xfrm>
           <a:prstGeom prst="straightConnector1">
             <a:avLst/>
@@ -5868,8 +5968,8 @@
         </p:nvCxnSpPr>
         <p:spPr>
           <a:xfrm rot="10800000">
-            <a:off x="5000628" y="4435626"/>
-            <a:ext cx="714380" cy="422134"/>
+            <a:off x="5000628" y="4364188"/>
+            <a:ext cx="714380" cy="493572"/>
           </a:xfrm>
           <a:prstGeom prst="straightConnector1">
             <a:avLst/>
@@ -6007,7 +6107,7 @@
           <a:p>
             <a:r>
               <a:rPr lang="cs-CZ" b="1" dirty="0" smtClean="0"/>
-              <a:t>Interpret</a:t>
+              <a:t>Prediktivní analyzátor výrazu</a:t>
             </a:r>
             <a:endParaRPr lang="cs-CZ" b="1" dirty="0"/>
           </a:p>
@@ -6030,40 +6130,32 @@
           </a:xfrm>
         </p:spPr>
         <p:txBody>
-          <a:bodyPr>
-            <a:normAutofit lnSpcReduction="10000"/>
-          </a:bodyPr>
+          <a:bodyPr/>
           <a:lstStyle/>
           <a:p>
             <a:r>
               <a:rPr lang="cs-CZ" dirty="0" smtClean="0"/>
-              <a:t>interpretace </a:t>
+              <a:t>zpracování výrazu na posloupnost </a:t>
             </a:r>
             <a:r>
               <a:rPr lang="cs-CZ" dirty="0" err="1" smtClean="0"/>
-              <a:t>tříadresného</a:t>
+              <a:t>tokenů</a:t>
             </a:r>
             <a:r>
               <a:rPr lang="cs-CZ" dirty="0" smtClean="0"/>
-              <a:t> kódu</a:t>
+              <a:t> ve formátu postfix</a:t>
             </a:r>
           </a:p>
           <a:p>
             <a:r>
               <a:rPr lang="cs-CZ" dirty="0" smtClean="0"/>
-              <a:t>zpracovávání instrukční pásky</a:t>
+              <a:t>případné rekurzivní volání sama sebe</a:t>
             </a:r>
           </a:p>
           <a:p>
             <a:r>
               <a:rPr lang="cs-CZ" dirty="0" smtClean="0"/>
-              <a:t>zásobník tabulek symbolů</a:t>
-            </a:r>
-          </a:p>
-          <a:p>
-            <a:r>
-              <a:rPr lang="cs-CZ" dirty="0" smtClean="0"/>
-              <a:t>zásobník pro zpracování výrazu v postfixu</a:t>
+              <a:t>precedenční tabulka</a:t>
             </a:r>
             <a:endParaRPr lang="cs-CZ" dirty="0"/>
           </a:p>
@@ -6077,7 +6169,7 @@
         </p:nvSpPr>
         <p:spPr>
           <a:xfrm>
-            <a:off x="4214810" y="3571876"/>
+            <a:off x="4214810" y="3500438"/>
             <a:ext cx="1571636" cy="863750"/>
           </a:xfrm>
           <a:prstGeom prst="roundRect">
@@ -6168,6 +6260,53 @@
           <a:xfrm>
             <a:off x="7286644" y="3500438"/>
             <a:ext cx="1571636" cy="863750"/>
+          </a:xfrm>
+          <a:prstGeom prst="roundRect">
+            <a:avLst/>
+          </a:prstGeom>
+          <a:ln>
+            <a:solidFill>
+              <a:schemeClr val="accent5"/>
+            </a:solidFill>
+          </a:ln>
+        </p:spPr>
+        <p:style>
+          <a:lnRef idx="2">
+            <a:schemeClr val="accent6"/>
+          </a:lnRef>
+          <a:fillRef idx="1">
+            <a:schemeClr val="lt1"/>
+          </a:fillRef>
+          <a:effectRef idx="0">
+            <a:schemeClr val="accent6"/>
+          </a:effectRef>
+          <a:fontRef idx="minor">
+            <a:schemeClr val="dk1"/>
+          </a:fontRef>
+        </p:style>
+        <p:txBody>
+          <a:bodyPr rtlCol="0" anchor="ctr"/>
+          <a:lstStyle/>
+          <a:p>
+            <a:pPr algn="ctr"/>
+            <a:r>
+              <a:rPr lang="cs-CZ" sz="2000" dirty="0" smtClean="0"/>
+              <a:t>Interpret</a:t>
+            </a:r>
+            <a:endParaRPr lang="cs-CZ" sz="2000" dirty="0"/>
+          </a:p>
+        </p:txBody>
+      </p:sp>
+      <p:sp>
+        <p:nvSpPr>
+          <p:cNvPr id="7" name="Zaoblený obdélník 6"/>
+          <p:cNvSpPr/>
+          <p:nvPr/>
+        </p:nvSpPr>
+        <p:spPr>
+          <a:xfrm>
+            <a:off x="5715008" y="4357694"/>
+            <a:ext cx="1571636" cy="1000132"/>
           </a:xfrm>
           <a:prstGeom prst="roundRect">
             <a:avLst/>
@@ -6197,49 +6336,6 @@
             <a:pPr algn="ctr"/>
             <a:r>
               <a:rPr lang="cs-CZ" sz="2000" dirty="0" smtClean="0"/>
-              <a:t>Interpret</a:t>
-            </a:r>
-            <a:endParaRPr lang="cs-CZ" sz="2000" dirty="0"/>
-          </a:p>
-        </p:txBody>
-      </p:sp>
-      <p:sp>
-        <p:nvSpPr>
-          <p:cNvPr id="7" name="Zaoblený obdélník 6"/>
-          <p:cNvSpPr/>
-          <p:nvPr/>
-        </p:nvSpPr>
-        <p:spPr>
-          <a:xfrm>
-            <a:off x="5715008" y="4357694"/>
-            <a:ext cx="1571636" cy="1000132"/>
-          </a:xfrm>
-          <a:prstGeom prst="roundRect">
-            <a:avLst/>
-          </a:prstGeom>
-          <a:ln/>
-        </p:spPr>
-        <p:style>
-          <a:lnRef idx="2">
-            <a:schemeClr val="accent5"/>
-          </a:lnRef>
-          <a:fillRef idx="1">
-            <a:schemeClr val="lt1"/>
-          </a:fillRef>
-          <a:effectRef idx="0">
-            <a:schemeClr val="accent5"/>
-          </a:effectRef>
-          <a:fontRef idx="minor">
-            <a:schemeClr val="dk1"/>
-          </a:fontRef>
-        </p:style>
-        <p:txBody>
-          <a:bodyPr rtlCol="0" anchor="ctr"/>
-          <a:lstStyle/>
-          <a:p>
-            <a:pPr algn="ctr"/>
-            <a:r>
-              <a:rPr lang="cs-CZ" sz="2000" dirty="0" smtClean="0"/>
               <a:t>Prediktivní analyzátor výrazu</a:t>
             </a:r>
             <a:endParaRPr lang="cs-CZ" sz="2000" dirty="0"/>
@@ -6258,7 +6354,7 @@
         <p:spPr>
           <a:xfrm rot="10800000" flipV="1">
             <a:off x="5000628" y="3075056"/>
-            <a:ext cx="714380" cy="496819"/>
+            <a:ext cx="714380" cy="425381"/>
           </a:xfrm>
           <a:prstGeom prst="straightConnector1">
             <a:avLst/>
@@ -6293,8 +6389,8 @@
         </p:nvCxnSpPr>
         <p:spPr>
           <a:xfrm rot="10800000">
-            <a:off x="5000628" y="4435626"/>
-            <a:ext cx="714380" cy="422134"/>
+            <a:off x="5000628" y="4364188"/>
+            <a:ext cx="714380" cy="493572"/>
           </a:xfrm>
           <a:prstGeom prst="straightConnector1">
             <a:avLst/>
@@ -6432,7 +6528,7 @@
           <a:p>
             <a:r>
               <a:rPr lang="cs-CZ" b="1" dirty="0" smtClean="0"/>
-              <a:t>Algoritmy</a:t>
+              <a:t>Interpret</a:t>
             </a:r>
             <a:endParaRPr lang="cs-CZ" b="1" dirty="0"/>
           </a:p>
@@ -6448,102 +6544,373 @@
             <p:ph idx="1"/>
           </p:nvPr>
         </p:nvSpPr>
-        <p:spPr/>
-        <p:txBody>
-          <a:bodyPr/>
-          <a:lstStyle/>
-          <a:p>
-            <a:r>
-              <a:rPr lang="cs-CZ" dirty="0" err="1"/>
-              <a:t>Boyer</a:t>
-            </a:r>
-            <a:r>
-              <a:rPr lang="cs-CZ" dirty="0"/>
-              <a:t>-</a:t>
-            </a:r>
-            <a:r>
-              <a:rPr lang="cs-CZ" dirty="0" err="1"/>
-              <a:t>Mooreův</a:t>
-            </a:r>
-            <a:r>
-              <a:rPr lang="cs-CZ" dirty="0"/>
-              <a:t> </a:t>
-            </a:r>
+        <p:spPr>
+          <a:xfrm>
+            <a:off x="457200" y="1600200"/>
+            <a:ext cx="3757610" cy="4525963"/>
+          </a:xfrm>
+        </p:spPr>
+        <p:txBody>
+          <a:bodyPr>
+            <a:normAutofit lnSpcReduction="10000"/>
+          </a:bodyPr>
+          <a:lstStyle/>
+          <a:p>
             <a:r>
               <a:rPr lang="cs-CZ" dirty="0" smtClean="0"/>
-              <a:t>algoritmus</a:t>
-            </a:r>
-          </a:p>
-          <a:p>
-            <a:pPr lvl="1"/>
+              <a:t>interpretace </a:t>
+            </a:r>
             <a:r>
               <a:rPr lang="cs-CZ" dirty="0" smtClean="0"/>
-              <a:t>složitost </a:t>
-            </a:r>
-            <a:r>
-              <a:rPr lang="pt-BR" dirty="0" smtClean="0"/>
-              <a:t>O(n+m)</a:t>
+              <a:t>tří adresného </a:t>
+            </a:r>
+            <a:r>
+              <a:rPr lang="cs-CZ" dirty="0" smtClean="0"/>
+              <a:t>kódu</a:t>
+            </a:r>
+          </a:p>
+          <a:p>
+            <a:r>
+              <a:rPr lang="cs-CZ" dirty="0" smtClean="0"/>
+              <a:t>zpracovávání instrukční pásky</a:t>
+            </a:r>
+          </a:p>
+          <a:p>
+            <a:r>
+              <a:rPr lang="cs-CZ" dirty="0" smtClean="0"/>
+              <a:t>zásobník tabulek symbolů</a:t>
+            </a:r>
+          </a:p>
+          <a:p>
+            <a:r>
+              <a:rPr lang="cs-CZ" dirty="0" smtClean="0"/>
+              <a:t>zásobník pro zpracování výrazu v postfixu</a:t>
             </a:r>
             <a:endParaRPr lang="cs-CZ" dirty="0"/>
           </a:p>
-          <a:p>
-            <a:r>
-              <a:rPr lang="cs-CZ" dirty="0" err="1"/>
-              <a:t>Shell</a:t>
-            </a:r>
-            <a:r>
-              <a:rPr lang="cs-CZ" dirty="0"/>
-              <a:t> </a:t>
-            </a:r>
-            <a:r>
-              <a:rPr lang="cs-CZ" dirty="0" smtClean="0"/>
-              <a:t>sort</a:t>
-            </a:r>
-          </a:p>
-          <a:p>
-            <a:pPr lvl="1"/>
-            <a:r>
-              <a:rPr lang="cs-CZ" dirty="0" smtClean="0"/>
-              <a:t>složitost </a:t>
-            </a:r>
-            <a:r>
-              <a:rPr lang="pt-BR" dirty="0" smtClean="0"/>
-              <a:t>O(n^2)</a:t>
-            </a:r>
-            <a:endParaRPr lang="cs-CZ" dirty="0"/>
-          </a:p>
-          <a:p>
-            <a:r>
-              <a:rPr lang="cs-CZ" dirty="0"/>
-              <a:t>Tabulka s rozptýlenými </a:t>
-            </a:r>
-            <a:r>
-              <a:rPr lang="cs-CZ" dirty="0" smtClean="0"/>
-              <a:t>položkami</a:t>
-            </a:r>
-          </a:p>
-          <a:p>
-            <a:pPr lvl="1"/>
-            <a:r>
-              <a:rPr lang="cs-CZ" dirty="0" smtClean="0"/>
-              <a:t>složitost </a:t>
-            </a:r>
-            <a:r>
-              <a:rPr lang="pt-BR" dirty="0" smtClean="0"/>
-              <a:t>O(</a:t>
-            </a:r>
-            <a:r>
-              <a:rPr lang="cs-CZ" dirty="0" smtClean="0"/>
-              <a:t>1+</a:t>
-            </a:r>
-            <a:r>
-              <a:rPr lang="pt-BR" dirty="0" smtClean="0"/>
-              <a:t>n) </a:t>
-            </a:r>
-            <a:endParaRPr lang="cs-CZ" dirty="0"/>
-          </a:p>
-        </p:txBody>
-      </p:sp>
+        </p:txBody>
+      </p:sp>
+      <p:sp>
+        <p:nvSpPr>
+          <p:cNvPr id="4" name="Zaoblený obdélník 3"/>
+          <p:cNvSpPr/>
+          <p:nvPr/>
+        </p:nvSpPr>
+        <p:spPr>
+          <a:xfrm>
+            <a:off x="4214810" y="3500438"/>
+            <a:ext cx="1571636" cy="863750"/>
+          </a:xfrm>
+          <a:prstGeom prst="roundRect">
+            <a:avLst/>
+          </a:prstGeom>
+        </p:spPr>
+        <p:style>
+          <a:lnRef idx="2">
+            <a:schemeClr val="accent5"/>
+          </a:lnRef>
+          <a:fillRef idx="1">
+            <a:schemeClr val="lt1"/>
+          </a:fillRef>
+          <a:effectRef idx="0">
+            <a:schemeClr val="accent5"/>
+          </a:effectRef>
+          <a:fontRef idx="minor">
+            <a:schemeClr val="dk1"/>
+          </a:fontRef>
+        </p:style>
+        <p:txBody>
+          <a:bodyPr rtlCol="0" anchor="ctr"/>
+          <a:lstStyle/>
+          <a:p>
+            <a:pPr algn="ctr"/>
+            <a:r>
+              <a:rPr lang="cs-CZ" sz="2000" dirty="0" smtClean="0"/>
+              <a:t>Lexikální analyzátor</a:t>
+            </a:r>
+            <a:endParaRPr lang="cs-CZ" sz="2000" dirty="0"/>
+          </a:p>
+        </p:txBody>
+      </p:sp>
+      <p:sp>
+        <p:nvSpPr>
+          <p:cNvPr id="5" name="Zaoblený obdélník 4"/>
+          <p:cNvSpPr/>
+          <p:nvPr/>
+        </p:nvSpPr>
+        <p:spPr>
+          <a:xfrm>
+            <a:off x="5715008" y="2643182"/>
+            <a:ext cx="1571636" cy="863750"/>
+          </a:xfrm>
+          <a:prstGeom prst="roundRect">
+            <a:avLst/>
+          </a:prstGeom>
+          <a:ln>
+            <a:solidFill>
+              <a:schemeClr val="accent5"/>
+            </a:solidFill>
+          </a:ln>
+        </p:spPr>
+        <p:style>
+          <a:lnRef idx="2">
+            <a:schemeClr val="accent6"/>
+          </a:lnRef>
+          <a:fillRef idx="1">
+            <a:schemeClr val="lt1"/>
+          </a:fillRef>
+          <a:effectRef idx="0">
+            <a:schemeClr val="accent6"/>
+          </a:effectRef>
+          <a:fontRef idx="minor">
+            <a:schemeClr val="dk1"/>
+          </a:fontRef>
+        </p:style>
+        <p:txBody>
+          <a:bodyPr rtlCol="0" anchor="ctr"/>
+          <a:lstStyle/>
+          <a:p>
+            <a:pPr algn="ctr"/>
+            <a:r>
+              <a:rPr lang="cs-CZ" sz="2000" dirty="0" smtClean="0"/>
+              <a:t>Syntaktický analyzátor</a:t>
+            </a:r>
+            <a:endParaRPr lang="cs-CZ" sz="2000" dirty="0"/>
+          </a:p>
+        </p:txBody>
+      </p:sp>
+      <p:sp>
+        <p:nvSpPr>
+          <p:cNvPr id="6" name="Zaoblený obdélník 5"/>
+          <p:cNvSpPr/>
+          <p:nvPr/>
+        </p:nvSpPr>
+        <p:spPr>
+          <a:xfrm>
+            <a:off x="7286644" y="3500438"/>
+            <a:ext cx="1571636" cy="863750"/>
+          </a:xfrm>
+          <a:prstGeom prst="roundRect">
+            <a:avLst/>
+          </a:prstGeom>
+          <a:ln/>
+        </p:spPr>
+        <p:style>
+          <a:lnRef idx="2">
+            <a:schemeClr val="accent5">
+              <a:shade val="50000"/>
+            </a:schemeClr>
+          </a:lnRef>
+          <a:fillRef idx="1">
+            <a:schemeClr val="accent5"/>
+          </a:fillRef>
+          <a:effectRef idx="0">
+            <a:schemeClr val="accent5"/>
+          </a:effectRef>
+          <a:fontRef idx="minor">
+            <a:schemeClr val="lt1"/>
+          </a:fontRef>
+        </p:style>
+        <p:txBody>
+          <a:bodyPr rtlCol="0" anchor="ctr"/>
+          <a:lstStyle/>
+          <a:p>
+            <a:pPr algn="ctr"/>
+            <a:r>
+              <a:rPr lang="cs-CZ" sz="2000" dirty="0" smtClean="0"/>
+              <a:t>Interpret</a:t>
+            </a:r>
+            <a:endParaRPr lang="cs-CZ" sz="2000" dirty="0"/>
+          </a:p>
+        </p:txBody>
+      </p:sp>
+      <p:sp>
+        <p:nvSpPr>
+          <p:cNvPr id="7" name="Zaoblený obdélník 6"/>
+          <p:cNvSpPr/>
+          <p:nvPr/>
+        </p:nvSpPr>
+        <p:spPr>
+          <a:xfrm>
+            <a:off x="5715008" y="4357694"/>
+            <a:ext cx="1571636" cy="1000132"/>
+          </a:xfrm>
+          <a:prstGeom prst="roundRect">
+            <a:avLst/>
+          </a:prstGeom>
+          <a:ln/>
+        </p:spPr>
+        <p:style>
+          <a:lnRef idx="2">
+            <a:schemeClr val="accent5"/>
+          </a:lnRef>
+          <a:fillRef idx="1">
+            <a:schemeClr val="lt1"/>
+          </a:fillRef>
+          <a:effectRef idx="0">
+            <a:schemeClr val="accent5"/>
+          </a:effectRef>
+          <a:fontRef idx="minor">
+            <a:schemeClr val="dk1"/>
+          </a:fontRef>
+        </p:style>
+        <p:txBody>
+          <a:bodyPr rtlCol="0" anchor="ctr"/>
+          <a:lstStyle/>
+          <a:p>
+            <a:pPr algn="ctr"/>
+            <a:r>
+              <a:rPr lang="cs-CZ" sz="2000" dirty="0" smtClean="0"/>
+              <a:t>Prediktivní analyzátor výrazu</a:t>
+            </a:r>
+            <a:endParaRPr lang="cs-CZ" sz="2000" dirty="0"/>
+          </a:p>
+        </p:txBody>
+      </p:sp>
+      <p:cxnSp>
+        <p:nvCxnSpPr>
+          <p:cNvPr id="8" name="Přímá spojovací šipka 7"/>
+          <p:cNvCxnSpPr>
+            <a:stCxn id="5" idx="1"/>
+            <a:endCxn id="4" idx="0"/>
+          </p:cNvCxnSpPr>
+          <p:nvPr/>
+        </p:nvCxnSpPr>
+        <p:spPr>
+          <a:xfrm rot="10800000" flipV="1">
+            <a:off x="5000628" y="3075056"/>
+            <a:ext cx="714380" cy="425381"/>
+          </a:xfrm>
+          <a:prstGeom prst="straightConnector1">
+            <a:avLst/>
+          </a:prstGeom>
+          <a:ln w="38100">
+            <a:tailEnd type="arrow"/>
+          </a:ln>
+        </p:spPr>
+        <p:style>
+          <a:lnRef idx="1">
+            <a:schemeClr val="dk1"/>
+          </a:lnRef>
+          <a:fillRef idx="0">
+            <a:schemeClr val="dk1"/>
+          </a:fillRef>
+          <a:effectRef idx="0">
+            <a:schemeClr val="dk1"/>
+          </a:effectRef>
+          <a:fontRef idx="minor">
+            <a:schemeClr val="tx1"/>
+          </a:fontRef>
+        </p:style>
+      </p:cxnSp>
+      <p:cxnSp>
+        <p:nvCxnSpPr>
+          <p:cNvPr id="9" name="Přímá spojovací šipka 8"/>
+          <p:cNvCxnSpPr>
+            <a:stCxn id="7" idx="1"/>
+            <a:endCxn id="4" idx="2"/>
+          </p:cNvCxnSpPr>
+          <p:nvPr/>
+        </p:nvCxnSpPr>
+        <p:spPr>
+          <a:xfrm rot="10800000">
+            <a:off x="5000628" y="4364188"/>
+            <a:ext cx="714380" cy="493572"/>
+          </a:xfrm>
+          <a:prstGeom prst="straightConnector1">
+            <a:avLst/>
+          </a:prstGeom>
+          <a:ln w="38100">
+            <a:tailEnd type="arrow"/>
+          </a:ln>
+        </p:spPr>
+        <p:style>
+          <a:lnRef idx="1">
+            <a:schemeClr val="dk1"/>
+          </a:lnRef>
+          <a:fillRef idx="0">
+            <a:schemeClr val="dk1"/>
+          </a:fillRef>
+          <a:effectRef idx="0">
+            <a:schemeClr val="dk1"/>
+          </a:effectRef>
+          <a:fontRef idx="minor">
+            <a:schemeClr val="tx1"/>
+          </a:fontRef>
+        </p:style>
+      </p:cxnSp>
+      <p:cxnSp>
+        <p:nvCxnSpPr>
+          <p:cNvPr id="10" name="Přímá spojovací šipka 9"/>
+          <p:cNvCxnSpPr>
+            <a:stCxn id="5" idx="3"/>
+            <a:endCxn id="6" idx="0"/>
+          </p:cNvCxnSpPr>
+          <p:nvPr/>
+        </p:nvCxnSpPr>
+        <p:spPr>
+          <a:xfrm>
+            <a:off x="7286644" y="3075057"/>
+            <a:ext cx="785818" cy="425381"/>
+          </a:xfrm>
+          <a:prstGeom prst="straightConnector1">
+            <a:avLst/>
+          </a:prstGeom>
+          <a:ln w="38100">
+            <a:tailEnd type="arrow"/>
+          </a:ln>
+        </p:spPr>
+        <p:style>
+          <a:lnRef idx="1">
+            <a:schemeClr val="dk1"/>
+          </a:lnRef>
+          <a:fillRef idx="0">
+            <a:schemeClr val="dk1"/>
+          </a:fillRef>
+          <a:effectRef idx="0">
+            <a:schemeClr val="dk1"/>
+          </a:effectRef>
+          <a:fontRef idx="minor">
+            <a:schemeClr val="tx1"/>
+          </a:fontRef>
+        </p:style>
+      </p:cxnSp>
+      <p:cxnSp>
+        <p:nvCxnSpPr>
+          <p:cNvPr id="11" name="Přímá spojovací šipka 10"/>
+          <p:cNvCxnSpPr>
+            <a:stCxn id="5" idx="2"/>
+            <a:endCxn id="7" idx="0"/>
+          </p:cNvCxnSpPr>
+          <p:nvPr/>
+        </p:nvCxnSpPr>
+        <p:spPr>
+          <a:xfrm rot="5400000">
+            <a:off x="6075445" y="3932313"/>
+            <a:ext cx="850762" cy="1588"/>
+          </a:xfrm>
+          <a:prstGeom prst="straightConnector1">
+            <a:avLst/>
+          </a:prstGeom>
+          <a:ln w="38100">
+            <a:tailEnd type="arrow"/>
+          </a:ln>
+        </p:spPr>
+        <p:style>
+          <a:lnRef idx="1">
+            <a:schemeClr val="dk1"/>
+          </a:lnRef>
+          <a:fillRef idx="0">
+            <a:schemeClr val="dk1"/>
+          </a:fillRef>
+          <a:effectRef idx="0">
+            <a:schemeClr val="dk1"/>
+          </a:effectRef>
+          <a:fontRef idx="minor">
+            <a:schemeClr val="tx1"/>
+          </a:fontRef>
+        </p:style>
+      </p:cxnSp>
     </p:spTree>
   </p:cSld>
   <p:clrMapOvr>

--- a/dokumentace/prezentace.pptx
+++ b/dokumentace/prezentace.pptx
@@ -3916,6 +3916,13 @@
   <p:clrMapOvr>
     <a:masterClrMapping/>
   </p:clrMapOvr>
+  <p:timing>
+    <p:tnLst>
+      <p:par>
+        <p:cTn id="1" dur="indefinite" restart="never" nodeType="tmRoot"/>
+      </p:par>
+    </p:tnLst>
+  </p:timing>
 </p:sld>
 </file>
 
@@ -3964,6 +3971,13 @@
   <p:clrMapOvr>
     <a:masterClrMapping/>
   </p:clrMapOvr>
+  <p:timing>
+    <p:tnLst>
+      <p:par>
+        <p:cTn id="1" dur="indefinite" restart="never" nodeType="tmRoot"/>
+      </p:par>
+    </p:tnLst>
+  </p:timing>
 </p:sld>
 </file>
 
@@ -4111,6 +4125,13 @@
   <p:clrMapOvr>
     <a:masterClrMapping/>
   </p:clrMapOvr>
+  <p:timing>
+    <p:tnLst>
+      <p:par>
+        <p:cTn id="1" dur="indefinite" restart="never" nodeType="tmRoot"/>
+      </p:par>
+    </p:tnLst>
+  </p:timing>
 </p:sld>
 </file>
 
@@ -4174,7 +4195,12 @@
             <p:ph idx="1"/>
           </p:nvPr>
         </p:nvSpPr>
-        <p:spPr/>
+        <p:spPr>
+          <a:xfrm>
+            <a:off x="457200" y="1600201"/>
+            <a:ext cx="8229600" cy="757230"/>
+          </a:xfrm>
+        </p:spPr>
         <p:txBody>
           <a:bodyPr/>
           <a:lstStyle/>
@@ -4189,19 +4215,179 @@
             </a:r>
             <a:r>
               <a:rPr lang="pt-BR" sz="3200" dirty="0" smtClean="0"/>
-              <a:t>O(n²)</a:t>
+              <a:t>O(n²</a:t>
+            </a:r>
+            <a:r>
+              <a:rPr lang="pt-BR" sz="3200" dirty="0" smtClean="0"/>
+              <a:t>)</a:t>
             </a:r>
             <a:endParaRPr lang="cs-CZ" sz="3200" dirty="0" smtClean="0"/>
           </a:p>
-          <a:p>
-            <a:r>
-              <a:rPr lang="cs-CZ" dirty="0" smtClean="0"/>
-              <a:t>TODO</a:t>
-            </a:r>
-            <a:endParaRPr lang="cs-CZ" dirty="0"/>
-          </a:p>
-        </p:txBody>
-      </p:sp>
+        </p:txBody>
+      </p:sp>
+      <p:graphicFrame>
+        <p:nvGraphicFramePr>
+          <p:cNvPr id="6" name="Tabulka 5"/>
+          <p:cNvGraphicFramePr>
+            <a:graphicFrameLocks noGrp="1"/>
+          </p:cNvGraphicFramePr>
+          <p:nvPr/>
+        </p:nvGraphicFramePr>
+        <p:xfrm>
+          <a:off x="1524000" y="2843846"/>
+          <a:ext cx="6096000" cy="370840"/>
+        </p:xfrm>
+        <a:graphic>
+          <a:graphicData uri="http://schemas.openxmlformats.org/drawingml/2006/table">
+            <a:tbl>
+              <a:tblPr firstRow="1" bandRow="1">
+                <a:tableStyleId>{7DF18680-E054-41AD-8BC1-D1AEF772440D}</a:tableStyleId>
+              </a:tblPr>
+              <a:tblGrid>
+                <a:gridCol w="762000"/>
+                <a:gridCol w="762000"/>
+                <a:gridCol w="762000"/>
+                <a:gridCol w="762000"/>
+                <a:gridCol w="762000"/>
+                <a:gridCol w="762000"/>
+                <a:gridCol w="762000"/>
+                <a:gridCol w="762000"/>
+              </a:tblGrid>
+              <a:tr h="370840">
+                <a:tc>
+                  <a:txBody>
+                    <a:bodyPr/>
+                    <a:lstStyle/>
+                    <a:p>
+                      <a:pPr marL="0" marR="0" indent="0" algn="l" defTabSz="914400" rtl="0" eaLnBrk="1" fontAlgn="auto" latinLnBrk="0" hangingPunct="1">
+                        <a:lnSpc>
+                          <a:spcPct val="100000"/>
+                        </a:lnSpc>
+                        <a:spcBef>
+                          <a:spcPts val="0"/>
+                        </a:spcBef>
+                        <a:spcAft>
+                          <a:spcPts val="0"/>
+                        </a:spcAft>
+                        <a:buClrTx/>
+                        <a:buSzTx/>
+                        <a:buFontTx/>
+                        <a:buNone/>
+                        <a:tabLst/>
+                        <a:defRPr/>
+                      </a:pPr>
+                      <a:r>
+                        <a:rPr lang="cs-CZ" dirty="0" smtClean="0"/>
+                        <a:t>1</a:t>
+                      </a:r>
+                      <a:endParaRPr lang="cs-CZ" dirty="0"/>
+                    </a:p>
+                  </a:txBody>
+                  <a:tcPr/>
+                </a:tc>
+                <a:tc>
+                  <a:txBody>
+                    <a:bodyPr/>
+                    <a:lstStyle/>
+                    <a:p>
+                      <a:r>
+                        <a:rPr lang="cs-CZ" dirty="0" smtClean="0"/>
+                        <a:t>6</a:t>
+                      </a:r>
+                      <a:endParaRPr lang="cs-CZ" dirty="0"/>
+                    </a:p>
+                  </a:txBody>
+                  <a:tcPr/>
+                </a:tc>
+                <a:tc>
+                  <a:txBody>
+                    <a:bodyPr/>
+                    <a:lstStyle/>
+                    <a:p>
+                      <a:r>
+                        <a:rPr lang="cs-CZ" dirty="0" smtClean="0"/>
+                        <a:t>8</a:t>
+                      </a:r>
+                      <a:endParaRPr lang="cs-CZ" dirty="0"/>
+                    </a:p>
+                  </a:txBody>
+                  <a:tcPr/>
+                </a:tc>
+                <a:tc>
+                  <a:txBody>
+                    <a:bodyPr/>
+                    <a:lstStyle/>
+                    <a:p>
+                      <a:r>
+                        <a:rPr lang="cs-CZ" dirty="0" smtClean="0"/>
+                        <a:t>5</a:t>
+                      </a:r>
+                      <a:endParaRPr lang="cs-CZ" dirty="0"/>
+                    </a:p>
+                  </a:txBody>
+                  <a:tcPr/>
+                </a:tc>
+                <a:tc>
+                  <a:txBody>
+                    <a:bodyPr/>
+                    <a:lstStyle/>
+                    <a:p>
+                      <a:r>
+                        <a:rPr lang="cs-CZ" dirty="0" smtClean="0"/>
+                        <a:t>0</a:t>
+                      </a:r>
+                      <a:endParaRPr lang="cs-CZ" dirty="0"/>
+                    </a:p>
+                  </a:txBody>
+                  <a:tcPr/>
+                </a:tc>
+                <a:tc>
+                  <a:txBody>
+                    <a:bodyPr/>
+                    <a:lstStyle/>
+                    <a:p>
+                      <a:r>
+                        <a:rPr lang="cs-CZ" dirty="0" smtClean="0"/>
+                        <a:t>4</a:t>
+                      </a:r>
+                      <a:endParaRPr lang="cs-CZ" dirty="0"/>
+                    </a:p>
+                  </a:txBody>
+                  <a:tcPr/>
+                </a:tc>
+                <a:tc>
+                  <a:txBody>
+                    <a:bodyPr/>
+                    <a:lstStyle/>
+                    <a:p>
+                      <a:r>
+                        <a:rPr lang="cs-CZ" dirty="0" smtClean="0"/>
+                        <a:t>2</a:t>
+                      </a:r>
+                      <a:endParaRPr lang="cs-CZ" dirty="0"/>
+                    </a:p>
+                  </a:txBody>
+                  <a:tcPr/>
+                </a:tc>
+                <a:tc>
+                  <a:txBody>
+                    <a:bodyPr/>
+                    <a:lstStyle/>
+                    <a:p>
+                      <a:r>
+                        <a:rPr lang="cs-CZ" dirty="0" smtClean="0"/>
+                        <a:t>7</a:t>
+                      </a:r>
+                      <a:endParaRPr lang="cs-CZ" dirty="0"/>
+                    </a:p>
+                  </a:txBody>
+                  <a:tcPr/>
+                </a:tc>
+              </a:tr>
+            </a:tbl>
+          </a:graphicData>
+        </a:graphic>
+      </p:graphicFrame>
     </p:spTree>
   </p:cSld>
   <p:clrMapOvr>
@@ -4367,6 +4553,13 @@
   <p:clrMapOvr>
     <a:masterClrMapping/>
   </p:clrMapOvr>
+  <p:timing>
+    <p:tnLst>
+      <p:par>
+        <p:cTn id="1" dur="indefinite" restart="never" nodeType="tmRoot"/>
+      </p:par>
+    </p:tnLst>
+  </p:timing>
 </p:sld>
 </file>
 
@@ -4521,6 +4714,13 @@
   <p:clrMapOvr>
     <a:masterClrMapping/>
   </p:clrMapOvr>
+  <p:timing>
+    <p:tnLst>
+      <p:par>
+        <p:cTn id="1" dur="indefinite" restart="never" nodeType="tmRoot"/>
+      </p:par>
+    </p:tnLst>
+  </p:timing>
 </p:sld>
 </file>
 
@@ -4843,6 +5043,13 @@
   <p:clrMapOvr>
     <a:masterClrMapping/>
   </p:clrMapOvr>
+  <p:timing>
+    <p:tnLst>
+      <p:par>
+        <p:cTn id="1" dur="indefinite" restart="never" nodeType="tmRoot"/>
+      </p:par>
+    </p:tnLst>
+  </p:timing>
 </p:sld>
 </file>
 
@@ -5211,6 +5418,13 @@
   <p:clrMapOvr>
     <a:masterClrMapping/>
   </p:clrMapOvr>
+  <p:timing>
+    <p:tnLst>
+      <p:par>
+        <p:cTn id="1" dur="indefinite" restart="never" nodeType="tmRoot"/>
+      </p:par>
+    </p:tnLst>
+  </p:timing>
 </p:sld>
 </file>
 
@@ -5646,6 +5860,13 @@
   <p:clrMapOvr>
     <a:masterClrMapping/>
   </p:clrMapOvr>
+  <p:timing>
+    <p:tnLst>
+      <p:par>
+        <p:cTn id="1" dur="indefinite" restart="never" nodeType="tmRoot"/>
+      </p:par>
+    </p:tnLst>
+  </p:timing>
 </p:sld>
 </file>
 
@@ -6070,6 +6291,13 @@
   <p:clrMapOvr>
     <a:masterClrMapping/>
   </p:clrMapOvr>
+  <p:timing>
+    <p:tnLst>
+      <p:par>
+        <p:cTn id="1" dur="indefinite" restart="never" nodeType="tmRoot"/>
+      </p:par>
+    </p:tnLst>
+  </p:timing>
 </p:sld>
 </file>
 
@@ -6491,6 +6719,13 @@
   <p:clrMapOvr>
     <a:masterClrMapping/>
   </p:clrMapOvr>
+  <p:timing>
+    <p:tnLst>
+      <p:par>
+        <p:cTn id="1" dur="indefinite" restart="never" nodeType="tmRoot"/>
+      </p:par>
+    </p:tnLst>
+  </p:timing>
 </p:sld>
 </file>
 
@@ -6916,6 +7151,13 @@
   <p:clrMapOvr>
     <a:masterClrMapping/>
   </p:clrMapOvr>
+  <p:timing>
+    <p:tnLst>
+      <p:par>
+        <p:cTn id="1" dur="indefinite" restart="never" nodeType="tmRoot"/>
+      </p:par>
+    </p:tnLst>
+  </p:timing>
 </p:sld>
 </file>
 
